--- a/Slides-RPR/2019-H1-DAA-L21-Greedy-Algo-overview.pptx
+++ b/Slides-RPR/2019-H1-DAA-L21-Greedy-Algo-overview.pptx
@@ -25,6 +25,8 @@
     <p:sldId id="270" r:id="rId22"/>
     <p:sldId id="271" r:id="rId23"/>
     <p:sldId id="272" r:id="rId24"/>
+    <p:sldId id="273" r:id="rId25"/>
+    <p:sldId id="274" r:id="rId26"/>
   </p:sldIdLst>
   <p:sldSz cx="10160000" cy="7620000"/>
   <p:notesSz cx="6858000" cy="9144000"/>
@@ -3249,7 +3251,7 @@
       </p:grpSpPr>
       <p:sp>
         <p:nvSpPr>
-          <p:cNvPr id="101" name="Max Water to Households"/>
+          <p:cNvPr id="101" name="Algo: Coin Change"/>
           <p:cNvSpPr txBox="1"/>
           <p:nvPr>
             <p:ph type="title"/>
@@ -3266,14 +3268,14 @@
           <a:p>
             <a:pPr/>
             <a:r>
-              <a:t>Max Water to Households</a:t>
+              <a:t>Algo: Coin Change</a:t>
             </a:r>
           </a:p>
         </p:txBody>
       </p:sp>
       <p:sp>
         <p:nvSpPr>
-          <p:cNvPr id="102" name="A colony has number of houses and they get water from a water tanker of capacity T.…"/>
+          <p:cNvPr id="102" name="// D[1:n] # coin denominations in ascneding order e.g.…"/>
           <p:cNvSpPr txBox="1"/>
           <p:nvPr>
             <p:ph type="body" idx="1"/>
@@ -3288,9 +3290,16 @@
           <a:bodyPr/>
           <a:lstStyle/>
           <a:p>
-            <a:pPr/>
-            <a:r>
-              <a:t>A colony has number of houses and they get water from a water tanker of capacity </a:t>
+            <a:pPr marL="0" indent="0">
+              <a:spcBef>
+                <a:spcPts val="400"/>
+              </a:spcBef>
+              <a:buSzTx/>
+              <a:buNone/>
+              <a:defRPr sz="2800"/>
+            </a:pPr>
+            <a:r>
+              <a:t>// </a:t>
             </a:r>
             <a:r>
               <a:rPr>
@@ -3299,16 +3308,23 @@
                 <a:cs typeface="Courier New"/>
                 <a:sym typeface="Courier New"/>
               </a:rPr>
-              <a:t>T</a:t>
-            </a:r>
-            <a:r>
-              <a:t>.  </a:t>
-            </a:r>
-          </a:p>
-          <a:p>
-            <a:pPr lvl="1"/>
-            <a:r>
-              <a:t>Each household </a:t>
+              <a:t>D[1:n]</a:t>
+            </a:r>
+            <a:r>
+              <a:t> # coin denominations in ascneding order e.g.</a:t>
+            </a:r>
+          </a:p>
+          <a:p>
+            <a:pPr marL="0" indent="0">
+              <a:spcBef>
+                <a:spcPts val="400"/>
+              </a:spcBef>
+              <a:buSzTx/>
+              <a:buNone/>
+              <a:defRPr sz="2800"/>
+            </a:pPr>
+            <a:r>
+              <a:t>// </a:t>
             </a:r>
             <a:r>
               <a:rPr>
@@ -3317,19 +3333,20 @@
                 <a:cs typeface="Courier New"/>
                 <a:sym typeface="Courier New"/>
               </a:rPr>
-              <a:t>H</a:t>
-            </a:r>
-            <a:r>
-              <a:rPr baseline="-5999">
-                <a:latin typeface="Courier New"/>
-                <a:ea typeface="Courier New"/>
-                <a:cs typeface="Courier New"/>
-                <a:sym typeface="Courier New"/>
-              </a:rPr>
-              <a:t>i</a:t>
-            </a:r>
-            <a:r>
-              <a:t> has a container having size </a:t>
+              <a:t>D=[1,2,5,10,20,50,100]</a:t>
+            </a:r>
+          </a:p>
+          <a:p>
+            <a:pPr marL="0" indent="0">
+              <a:spcBef>
+                <a:spcPts val="400"/>
+              </a:spcBef>
+              <a:buSzTx/>
+              <a:buNone/>
+              <a:defRPr sz="2800"/>
+            </a:pPr>
+            <a:r>
+              <a:t>// </a:t>
             </a:r>
             <a:r>
               <a:rPr>
@@ -3338,47 +3355,162 @@
                 <a:cs typeface="Courier New"/>
                 <a:sym typeface="Courier New"/>
               </a:rPr>
-              <a:t>C</a:t>
-            </a:r>
-            <a:r>
-              <a:rPr baseline="-5999">
+              <a:t>res[1:n]</a:t>
+            </a:r>
+            <a:r>
+              <a:t> # number of coins required, initially zero</a:t>
+            </a:r>
+          </a:p>
+          <a:p>
+            <a:pPr marL="0" indent="0">
+              <a:spcBef>
+                <a:spcPts val="200"/>
+              </a:spcBef>
+              <a:buSzTx/>
+              <a:buNone/>
+              <a:defRPr sz="2800"/>
+            </a:pPr>
+            <a:r>
+              <a:t>// </a:t>
+            </a:r>
+            <a:r>
+              <a:rPr>
                 <a:latin typeface="Courier New"/>
                 <a:ea typeface="Courier New"/>
                 <a:cs typeface="Courier New"/>
                 <a:sym typeface="Courier New"/>
               </a:rPr>
-              <a:t>i</a:t>
-            </a:r>
-            <a:r>
-              <a:t>. </a:t>
-            </a:r>
-          </a:p>
-          <a:p>
-            <a:pPr lvl="1"/>
-            <a:r>
-              <a:t>You are a politician and would like to oblige max number of households. </a:t>
-            </a:r>
-          </a:p>
-          <a:p>
-            <a:pPr lvl="1"/>
-            <a:r>
-              <a:t>Each house gets a full container not partially filled.</a:t>
-            </a:r>
-          </a:p>
-          <a:p>
-            <a:pPr lvl="1"/>
-            <a:r>
-              <a:t>At the same time would like to keep minimum water in tanker after filling the containers since that becomes wasted efforts. Can we solve this using greedy algorithm.</a:t>
-            </a:r>
-          </a:p>
-          <a:p>
-            <a:pPr/>
-            <a:r>
-              <a:t>Example: </a:t>
-            </a:r>
-          </a:p>
-          <a:p>
-            <a:pPr lvl="1">
+              <a:t>Amt</a:t>
+            </a:r>
+            <a:r>
+              <a:t>: # amount to be returned</a:t>
+            </a:r>
+            <a:br/>
+            <a:r>
+              <a:t>Algo </a:t>
+            </a:r>
+            <a:r>
+              <a:rPr>
+                <a:latin typeface="Courier New"/>
+                <a:ea typeface="Courier New"/>
+                <a:cs typeface="Courier New"/>
+                <a:sym typeface="Courier New"/>
+              </a:rPr>
+              <a:t>CoinChange(amt)</a:t>
+            </a:r>
+          </a:p>
+          <a:p>
+            <a:pPr lvl="2" marL="0" indent="457200">
+              <a:spcBef>
+                <a:spcPts val="200"/>
+              </a:spcBef>
+              <a:buSzTx/>
+              <a:buNone/>
+            </a:pPr>
+            <a:r>
+              <a:rPr>
+                <a:latin typeface="Courier New"/>
+                <a:ea typeface="Courier New"/>
+                <a:cs typeface="Courier New"/>
+                <a:sym typeface="Courier New"/>
+              </a:rPr>
+              <a:t>index=n</a:t>
+            </a:r>
+            <a:r>
+              <a:t> # start from highest coin</a:t>
+            </a:r>
+          </a:p>
+          <a:p>
+            <a:pPr lvl="2" marL="0" indent="457200">
+              <a:spcBef>
+                <a:spcPts val="200"/>
+              </a:spcBef>
+              <a:buSzTx/>
+              <a:buNone/>
+            </a:pPr>
+            <a:r>
+              <a:t>while (index</a:t>
+            </a:r>
+            <a:r>
+              <a:rPr>
+                <a:latin typeface="Courier New"/>
+                <a:ea typeface="Courier New"/>
+                <a:cs typeface="Courier New"/>
+                <a:sym typeface="Courier New"/>
+              </a:rPr>
+              <a:t>&gt;0</a:t>
+            </a:r>
+            <a:r>
+              <a:t>)</a:t>
+            </a:r>
+          </a:p>
+          <a:p>
+            <a:pPr lvl="4" marL="0" indent="914400">
+              <a:spcBef>
+                <a:spcPts val="200"/>
+              </a:spcBef>
+              <a:buSzTx/>
+              <a:buNone/>
+            </a:pPr>
+            <a:r>
+              <a:t>while (</a:t>
+            </a:r>
+            <a:r>
+              <a:rPr>
+                <a:latin typeface="Courier New"/>
+                <a:ea typeface="Courier New"/>
+                <a:cs typeface="Courier New"/>
+                <a:sym typeface="Courier New"/>
+              </a:rPr>
+              <a:t>amt &gt;= D[index]</a:t>
+            </a:r>
+            <a:r>
+              <a:t>)</a:t>
+            </a:r>
+          </a:p>
+          <a:p>
+            <a:pPr lvl="6" marL="0" indent="1371600">
+              <a:spcBef>
+                <a:spcPts val="200"/>
+              </a:spcBef>
+              <a:buSzTx/>
+              <a:buNone/>
+              <a:defRPr sz="2800">
+                <a:latin typeface="Courier New"/>
+                <a:ea typeface="Courier New"/>
+                <a:cs typeface="Courier New"/>
+                <a:sym typeface="Courier New"/>
+              </a:defRPr>
+            </a:pPr>
+            <a:r>
+              <a:t>res[index] = res[index] + 1</a:t>
+            </a:r>
+          </a:p>
+          <a:p>
+            <a:pPr lvl="6" marL="0" indent="1371600">
+              <a:spcBef>
+                <a:spcPts val="200"/>
+              </a:spcBef>
+              <a:buSzTx/>
+              <a:buNone/>
+              <a:defRPr sz="2800">
+                <a:latin typeface="Courier New"/>
+                <a:ea typeface="Courier New"/>
+                <a:cs typeface="Courier New"/>
+                <a:sym typeface="Courier New"/>
+              </a:defRPr>
+            </a:pPr>
+            <a:r>
+              <a:t>amt = amt - D[index]</a:t>
+            </a:r>
+          </a:p>
+          <a:p>
+            <a:pPr lvl="4" marL="0" indent="914400">
+              <a:spcBef>
+                <a:spcPts val="200"/>
+              </a:spcBef>
+              <a:buSzTx/>
+              <a:buNone/>
               <a:defRPr>
                 <a:latin typeface="Courier New"/>
                 <a:ea typeface="Courier New"/>
@@ -3387,28 +3519,70 @@
               </a:defRPr>
             </a:pPr>
             <a:r>
-              <a:t>T=150L, C</a:t>
-            </a:r>
-            <a:r>
-              <a:rPr baseline="-5999"/>
-              <a:t>1</a:t>
-            </a:r>
-            <a:r>
-              <a:t>=50L, C</a:t>
-            </a:r>
-            <a:r>
-              <a:rPr baseline="-5999"/>
-              <a:t>2</a:t>
-            </a:r>
-            <a:r>
-              <a:t>=60L, C</a:t>
-            </a:r>
-            <a:r>
-              <a:rPr baseline="-5999"/>
-              <a:t>3</a:t>
-            </a:r>
-            <a:r>
-              <a:t>=90L</a:t>
+              <a:t>index=index-1</a:t>
+            </a:r>
+          </a:p>
+          <a:p>
+            <a:pPr marL="0" indent="0">
+              <a:spcBef>
+                <a:spcPts val="200"/>
+              </a:spcBef>
+              <a:buSzTx/>
+              <a:buNone/>
+              <a:defRPr sz="2800">
+                <a:latin typeface="Gill Sans MT"/>
+                <a:ea typeface="Gill Sans MT"/>
+                <a:cs typeface="Gill Sans MT"/>
+                <a:sym typeface="Gill Sans MT"/>
+              </a:defRPr>
+            </a:pPr>
+            <a:r>
+              <a:t>//invocation of algo</a:t>
+            </a:r>
+          </a:p>
+          <a:p>
+            <a:pPr marL="0" indent="0">
+              <a:spcBef>
+                <a:spcPts val="200"/>
+              </a:spcBef>
+              <a:buSzTx/>
+              <a:buNone/>
+              <a:defRPr sz="2800">
+                <a:latin typeface="Courier New"/>
+                <a:ea typeface="Courier New"/>
+                <a:cs typeface="Courier New"/>
+                <a:sym typeface="Courier New"/>
+              </a:defRPr>
+            </a:pPr>
+            <a:r>
+              <a:t>CoinChange(252)</a:t>
+            </a:r>
+          </a:p>
+          <a:p>
+            <a:pPr marL="0" indent="0">
+              <a:spcBef>
+                <a:spcPts val="200"/>
+              </a:spcBef>
+              <a:buSzTx/>
+              <a:buNone/>
+              <a:defRPr sz="2800">
+                <a:latin typeface="Gill Sans MT"/>
+                <a:ea typeface="Gill Sans MT"/>
+                <a:cs typeface="Gill Sans MT"/>
+                <a:sym typeface="Gill Sans MT"/>
+              </a:defRPr>
+            </a:pPr>
+            <a:r>
+              <a:rPr>
+                <a:latin typeface="Courier New"/>
+                <a:ea typeface="Courier New"/>
+                <a:cs typeface="Courier New"/>
+                <a:sym typeface="Courier New"/>
+              </a:rPr>
+              <a:t>print(res)</a:t>
+            </a:r>
+            <a:r>
+              <a:t> # print the count count</a:t>
             </a:r>
           </a:p>
         </p:txBody>
@@ -3526,403 +3700,6 @@
     <a:masterClrMapping/>
   </p:clrMapOvr>
   <p:transition xmlns:p14="http://schemas.microsoft.com/office/powerpoint/2010/main" spd="med" advClick="1"/>
-  <p:timing>
-    <p:tnLst>
-      <p:par>
-        <p:cTn id="1" nodeType="tmRoot" restart="never" dur="indefinite" fill="hold">
-          <p:childTnLst>
-            <p:seq concurrent="1" prevAc="none" nextAc="seek">
-              <p:cTn id="2" nodeType="mainSeq" dur="indefinite" fill="hold">
-                <p:childTnLst>
-                  <p:par>
-                    <p:cTn id="3" fill="hold">
-                      <p:stCondLst>
-                        <p:cond delay="indefinite"/>
-                      </p:stCondLst>
-                      <p:childTnLst>
-                        <p:par>
-                          <p:cTn id="4" fill="hold">
-                            <p:stCondLst>
-                              <p:cond delay="0"/>
-                            </p:stCondLst>
-                            <p:childTnLst>
-                              <p:par>
-                                <p:cTn id="5" presetClass="entr" nodeType="clickEffect" presetSubtype="0" presetID="1" grpId="1" fill="hold">
-                                  <p:stCondLst>
-                                    <p:cond delay="0"/>
-                                  </p:stCondLst>
-                                  <p:iterate type="el" backwards="0">
-                                    <p:tmAbs val="0"/>
-                                  </p:iterate>
-                                  <p:childTnLst>
-                                    <p:set>
-                                      <p:cBhvr>
-                                        <p:cTn id="6" fill="hold"/>
-                                        <p:tgtEl>
-                                          <p:spTgt spid="102">
-                                            <p:bg/>
-                                          </p:spTgt>
-                                        </p:tgtEl>
-                                        <p:attrNameLst>
-                                          <p:attrName>style.visibility</p:attrName>
-                                        </p:attrNameLst>
-                                      </p:cBhvr>
-                                      <p:to>
-                                        <p:strVal val="visible"/>
-                                      </p:to>
-                                    </p:set>
-                                  </p:childTnLst>
-                                </p:cTn>
-                              </p:par>
-                              <p:par>
-                                <p:cTn id="7" presetClass="entr" nodeType="withEffect" presetSubtype="0" presetID="1" grpId="1" fill="hold">
-                                  <p:stCondLst>
-                                    <p:cond delay="0"/>
-                                  </p:stCondLst>
-                                  <p:iterate type="el" backwards="0">
-                                    <p:tmAbs val="0"/>
-                                  </p:iterate>
-                                  <p:childTnLst>
-                                    <p:set>
-                                      <p:cBhvr>
-                                        <p:cTn id="8" fill="hold"/>
-                                        <p:tgtEl>
-                                          <p:spTgt spid="102">
-                                            <p:txEl>
-                                              <p:pRg st="0" end="0"/>
-                                            </p:txEl>
-                                          </p:spTgt>
-                                        </p:tgtEl>
-                                        <p:attrNameLst>
-                                          <p:attrName>style.visibility</p:attrName>
-                                        </p:attrNameLst>
-                                      </p:cBhvr>
-                                      <p:to>
-                                        <p:strVal val="visible"/>
-                                      </p:to>
-                                    </p:set>
-                                  </p:childTnLst>
-                                </p:cTn>
-                              </p:par>
-                            </p:childTnLst>
-                          </p:cTn>
-                        </p:par>
-                      </p:childTnLst>
-                    </p:cTn>
-                  </p:par>
-                  <p:par>
-                    <p:cTn id="9" fill="hold">
-                      <p:stCondLst>
-                        <p:cond delay="indefinite"/>
-                      </p:stCondLst>
-                      <p:childTnLst>
-                        <p:par>
-                          <p:cTn id="10" fill="hold">
-                            <p:stCondLst>
-                              <p:cond delay="0"/>
-                            </p:stCondLst>
-                            <p:childTnLst>
-                              <p:par>
-                                <p:cTn id="11" presetClass="entr" nodeType="clickEffect" presetSubtype="0" presetID="1" grpId="1" fill="hold">
-                                  <p:stCondLst>
-                                    <p:cond delay="0"/>
-                                  </p:stCondLst>
-                                  <p:iterate type="el" backwards="0">
-                                    <p:tmAbs val="0"/>
-                                  </p:iterate>
-                                  <p:childTnLst>
-                                    <p:set>
-                                      <p:cBhvr>
-                                        <p:cTn id="12" fill="hold"/>
-                                        <p:tgtEl>
-                                          <p:spTgt spid="102">
-                                            <p:txEl>
-                                              <p:pRg st="1" end="1"/>
-                                            </p:txEl>
-                                          </p:spTgt>
-                                        </p:tgtEl>
-                                        <p:attrNameLst>
-                                          <p:attrName>style.visibility</p:attrName>
-                                        </p:attrNameLst>
-                                      </p:cBhvr>
-                                      <p:to>
-                                        <p:strVal val="visible"/>
-                                      </p:to>
-                                    </p:set>
-                                  </p:childTnLst>
-                                </p:cTn>
-                              </p:par>
-                            </p:childTnLst>
-                          </p:cTn>
-                        </p:par>
-                      </p:childTnLst>
-                    </p:cTn>
-                  </p:par>
-                  <p:par>
-                    <p:cTn id="13" fill="hold">
-                      <p:stCondLst>
-                        <p:cond delay="indefinite"/>
-                      </p:stCondLst>
-                      <p:childTnLst>
-                        <p:par>
-                          <p:cTn id="14" fill="hold">
-                            <p:stCondLst>
-                              <p:cond delay="0"/>
-                            </p:stCondLst>
-                            <p:childTnLst>
-                              <p:par>
-                                <p:cTn id="15" presetClass="entr" nodeType="clickEffect" presetSubtype="0" presetID="1" grpId="1" fill="hold">
-                                  <p:stCondLst>
-                                    <p:cond delay="0"/>
-                                  </p:stCondLst>
-                                  <p:iterate type="el" backwards="0">
-                                    <p:tmAbs val="0"/>
-                                  </p:iterate>
-                                  <p:childTnLst>
-                                    <p:set>
-                                      <p:cBhvr>
-                                        <p:cTn id="16" fill="hold"/>
-                                        <p:tgtEl>
-                                          <p:spTgt spid="102">
-                                            <p:txEl>
-                                              <p:pRg st="2" end="2"/>
-                                            </p:txEl>
-                                          </p:spTgt>
-                                        </p:tgtEl>
-                                        <p:attrNameLst>
-                                          <p:attrName>style.visibility</p:attrName>
-                                        </p:attrNameLst>
-                                      </p:cBhvr>
-                                      <p:to>
-                                        <p:strVal val="visible"/>
-                                      </p:to>
-                                    </p:set>
-                                  </p:childTnLst>
-                                </p:cTn>
-                              </p:par>
-                            </p:childTnLst>
-                          </p:cTn>
-                        </p:par>
-                      </p:childTnLst>
-                    </p:cTn>
-                  </p:par>
-                  <p:par>
-                    <p:cTn id="17" fill="hold">
-                      <p:stCondLst>
-                        <p:cond delay="indefinite"/>
-                      </p:stCondLst>
-                      <p:childTnLst>
-                        <p:par>
-                          <p:cTn id="18" fill="hold">
-                            <p:stCondLst>
-                              <p:cond delay="0"/>
-                            </p:stCondLst>
-                            <p:childTnLst>
-                              <p:par>
-                                <p:cTn id="19" presetClass="entr" nodeType="clickEffect" presetSubtype="0" presetID="1" grpId="1" fill="hold">
-                                  <p:stCondLst>
-                                    <p:cond delay="0"/>
-                                  </p:stCondLst>
-                                  <p:iterate type="el" backwards="0">
-                                    <p:tmAbs val="0"/>
-                                  </p:iterate>
-                                  <p:childTnLst>
-                                    <p:set>
-                                      <p:cBhvr>
-                                        <p:cTn id="20" fill="hold"/>
-                                        <p:tgtEl>
-                                          <p:spTgt spid="102">
-                                            <p:txEl>
-                                              <p:pRg st="3" end="3"/>
-                                            </p:txEl>
-                                          </p:spTgt>
-                                        </p:tgtEl>
-                                        <p:attrNameLst>
-                                          <p:attrName>style.visibility</p:attrName>
-                                        </p:attrNameLst>
-                                      </p:cBhvr>
-                                      <p:to>
-                                        <p:strVal val="visible"/>
-                                      </p:to>
-                                    </p:set>
-                                  </p:childTnLst>
-                                </p:cTn>
-                              </p:par>
-                            </p:childTnLst>
-                          </p:cTn>
-                        </p:par>
-                      </p:childTnLst>
-                    </p:cTn>
-                  </p:par>
-                  <p:par>
-                    <p:cTn id="21" fill="hold">
-                      <p:stCondLst>
-                        <p:cond delay="indefinite"/>
-                      </p:stCondLst>
-                      <p:childTnLst>
-                        <p:par>
-                          <p:cTn id="22" fill="hold">
-                            <p:stCondLst>
-                              <p:cond delay="0"/>
-                            </p:stCondLst>
-                            <p:childTnLst>
-                              <p:par>
-                                <p:cTn id="23" presetClass="entr" nodeType="clickEffect" presetSubtype="0" presetID="1" grpId="1" fill="hold">
-                                  <p:stCondLst>
-                                    <p:cond delay="0"/>
-                                  </p:stCondLst>
-                                  <p:iterate type="el" backwards="0">
-                                    <p:tmAbs val="0"/>
-                                  </p:iterate>
-                                  <p:childTnLst>
-                                    <p:set>
-                                      <p:cBhvr>
-                                        <p:cTn id="24" fill="hold"/>
-                                        <p:tgtEl>
-                                          <p:spTgt spid="102">
-                                            <p:txEl>
-                                              <p:pRg st="4" end="4"/>
-                                            </p:txEl>
-                                          </p:spTgt>
-                                        </p:tgtEl>
-                                        <p:attrNameLst>
-                                          <p:attrName>style.visibility</p:attrName>
-                                        </p:attrNameLst>
-                                      </p:cBhvr>
-                                      <p:to>
-                                        <p:strVal val="visible"/>
-                                      </p:to>
-                                    </p:set>
-                                  </p:childTnLst>
-                                </p:cTn>
-                              </p:par>
-                            </p:childTnLst>
-                          </p:cTn>
-                        </p:par>
-                      </p:childTnLst>
-                    </p:cTn>
-                  </p:par>
-                  <p:par>
-                    <p:cTn id="25" fill="hold">
-                      <p:stCondLst>
-                        <p:cond delay="indefinite"/>
-                      </p:stCondLst>
-                      <p:childTnLst>
-                        <p:par>
-                          <p:cTn id="26" fill="hold">
-                            <p:stCondLst>
-                              <p:cond delay="0"/>
-                            </p:stCondLst>
-                            <p:childTnLst>
-                              <p:par>
-                                <p:cTn id="27" presetClass="entr" nodeType="clickEffect" presetSubtype="0" presetID="1" grpId="1" fill="hold">
-                                  <p:stCondLst>
-                                    <p:cond delay="0"/>
-                                  </p:stCondLst>
-                                  <p:iterate type="el" backwards="0">
-                                    <p:tmAbs val="0"/>
-                                  </p:iterate>
-                                  <p:childTnLst>
-                                    <p:set>
-                                      <p:cBhvr>
-                                        <p:cTn id="28" fill="hold"/>
-                                        <p:tgtEl>
-                                          <p:spTgt spid="102">
-                                            <p:txEl>
-                                              <p:pRg st="5" end="5"/>
-                                            </p:txEl>
-                                          </p:spTgt>
-                                        </p:tgtEl>
-                                        <p:attrNameLst>
-                                          <p:attrName>style.visibility</p:attrName>
-                                        </p:attrNameLst>
-                                      </p:cBhvr>
-                                      <p:to>
-                                        <p:strVal val="visible"/>
-                                      </p:to>
-                                    </p:set>
-                                  </p:childTnLst>
-                                </p:cTn>
-                              </p:par>
-                            </p:childTnLst>
-                          </p:cTn>
-                        </p:par>
-                      </p:childTnLst>
-                    </p:cTn>
-                  </p:par>
-                  <p:par>
-                    <p:cTn id="29" fill="hold">
-                      <p:stCondLst>
-                        <p:cond delay="indefinite"/>
-                      </p:stCondLst>
-                      <p:childTnLst>
-                        <p:par>
-                          <p:cTn id="30" fill="hold">
-                            <p:stCondLst>
-                              <p:cond delay="0"/>
-                            </p:stCondLst>
-                            <p:childTnLst>
-                              <p:par>
-                                <p:cTn id="31" presetClass="entr" nodeType="clickEffect" presetSubtype="0" presetID="1" grpId="1" fill="hold">
-                                  <p:stCondLst>
-                                    <p:cond delay="0"/>
-                                  </p:stCondLst>
-                                  <p:iterate type="el" backwards="0">
-                                    <p:tmAbs val="0"/>
-                                  </p:iterate>
-                                  <p:childTnLst>
-                                    <p:set>
-                                      <p:cBhvr>
-                                        <p:cTn id="32" fill="hold"/>
-                                        <p:tgtEl>
-                                          <p:spTgt spid="102">
-                                            <p:txEl>
-                                              <p:pRg st="6" end="6"/>
-                                            </p:txEl>
-                                          </p:spTgt>
-                                        </p:tgtEl>
-                                        <p:attrNameLst>
-                                          <p:attrName>style.visibility</p:attrName>
-                                        </p:attrNameLst>
-                                      </p:cBhvr>
-                                      <p:to>
-                                        <p:strVal val="visible"/>
-                                      </p:to>
-                                    </p:set>
-                                  </p:childTnLst>
-                                </p:cTn>
-                              </p:par>
-                            </p:childTnLst>
-                          </p:cTn>
-                        </p:par>
-                      </p:childTnLst>
-                    </p:cTn>
-                  </p:par>
-                </p:childTnLst>
-              </p:cTn>
-              <p:prevCondLst>
-                <p:cond evt="onPrev">
-                  <p:tgtEl>
-                    <p:sldTgt/>
-                  </p:tgtEl>
-                </p:cond>
-              </p:prevCondLst>
-              <p:nextCondLst>
-                <p:cond evt="onNext">
-                  <p:tgtEl>
-                    <p:sldTgt/>
-                  </p:tgtEl>
-                </p:cond>
-              </p:nextCondLst>
-            </p:seq>
-          </p:childTnLst>
-        </p:cTn>
-      </p:par>
-    </p:tnLst>
-    <p:bldLst>
-      <p:bldP build="p" bldLvl="5" animBg="1" rev="0" advAuto="0" spid="102" grpId="1"/>
-    </p:bldLst>
-  </p:timing>
 </p:sld>
 </file>
 
@@ -3945,7 +3722,7 @@
       </p:grpSpPr>
       <p:sp>
         <p:nvSpPr>
-          <p:cNvPr id="107" name="Machine Scheduling Problem"/>
+          <p:cNvPr id="107" name="Max Water to Households"/>
           <p:cNvSpPr txBox="1"/>
           <p:nvPr>
             <p:ph type="title"/>
@@ -3962,14 +3739,14 @@
           <a:p>
             <a:pPr/>
             <a:r>
-              <a:t>Machine Scheduling Problem</a:t>
+              <a:t>Max Water to Households</a:t>
             </a:r>
           </a:p>
         </p:txBody>
       </p:sp>
       <p:sp>
         <p:nvSpPr>
-          <p:cNvPr id="108" name="Given…"/>
+          <p:cNvPr id="108" name="A colony has number of houses and they get water from a water tanker of capacity T.…"/>
           <p:cNvSpPr txBox="1"/>
           <p:nvPr>
             <p:ph type="body" idx="1"/>
@@ -3986,19 +3763,7 @@
           <a:p>
             <a:pPr/>
             <a:r>
-              <a:t>Given </a:t>
-            </a:r>
-          </a:p>
-          <a:p>
-            <a:pPr lvl="1"/>
-            <a:r>
-              <a:t>N tasks and infinite supply of machines on which these tasks can be run.</a:t>
-            </a:r>
-          </a:p>
-          <a:p>
-            <a:pPr lvl="1"/>
-            <a:r>
-              <a:t>Each task has a start time </a:t>
+              <a:t>A colony has number of houses and they get water from a water tanker of capacity </a:t>
             </a:r>
             <a:r>
               <a:rPr>
@@ -4007,7 +3772,25 @@
                 <a:cs typeface="Courier New"/>
                 <a:sym typeface="Courier New"/>
               </a:rPr>
-              <a:t>s</a:t>
+              <a:t>T</a:t>
+            </a:r>
+            <a:r>
+              <a:t>.  </a:t>
+            </a:r>
+          </a:p>
+          <a:p>
+            <a:pPr lvl="1"/>
+            <a:r>
+              <a:t>Each household </a:t>
+            </a:r>
+            <a:r>
+              <a:rPr>
+                <a:latin typeface="Courier New"/>
+                <a:ea typeface="Courier New"/>
+                <a:cs typeface="Courier New"/>
+                <a:sym typeface="Courier New"/>
+              </a:rPr>
+              <a:t>H</a:t>
             </a:r>
             <a:r>
               <a:rPr baseline="-5999">
@@ -4019,7 +3802,7 @@
               <a:t>i</a:t>
             </a:r>
             <a:r>
-              <a:t> and finish time </a:t>
+              <a:t> has a container having size </a:t>
             </a:r>
             <a:r>
               <a:rPr>
@@ -4028,7 +3811,7 @@
                 <a:cs typeface="Courier New"/>
                 <a:sym typeface="Courier New"/>
               </a:rPr>
-              <a:t>f</a:t>
+              <a:t>C</a:t>
             </a:r>
             <a:r>
               <a:rPr baseline="-5999">
@@ -4040,88 +3823,65 @@
               <a:t>i</a:t>
             </a:r>
             <a:r>
-              <a:rPr>
+              <a:t>. </a:t>
+            </a:r>
+          </a:p>
+          <a:p>
+            <a:pPr lvl="1"/>
+            <a:r>
+              <a:t>You are a politician and would like to oblige max number of households. </a:t>
+            </a:r>
+          </a:p>
+          <a:p>
+            <a:pPr lvl="1"/>
+            <a:r>
+              <a:t>Each house gets a full container not partially filled.</a:t>
+            </a:r>
+          </a:p>
+          <a:p>
+            <a:pPr lvl="1"/>
+            <a:r>
+              <a:t>At the same time would like to keep minimum water in tanker after filling the containers since that becomes wasted efforts. Can we solve this using greedy algorithm.</a:t>
+            </a:r>
+          </a:p>
+          <a:p>
+            <a:pPr/>
+            <a:r>
+              <a:t>Example: </a:t>
+            </a:r>
+          </a:p>
+          <a:p>
+            <a:pPr lvl="1">
+              <a:defRPr>
                 <a:latin typeface="Courier New"/>
                 <a:ea typeface="Courier New"/>
                 <a:cs typeface="Courier New"/>
                 <a:sym typeface="Courier New"/>
-              </a:rPr>
-              <a:t>&gt;s</a:t>
-            </a:r>
-            <a:r>
-              <a:rPr baseline="-5999">
-                <a:latin typeface="Courier New"/>
-                <a:ea typeface="Courier New"/>
-                <a:cs typeface="Courier New"/>
-                <a:sym typeface="Courier New"/>
-              </a:rPr>
-              <a:t>i</a:t>
-            </a:r>
-            <a:r>
-              <a:t>. [</a:t>
-            </a:r>
-            <a:r>
-              <a:rPr>
-                <a:latin typeface="Courier New"/>
-                <a:ea typeface="Courier New"/>
-                <a:cs typeface="Courier New"/>
-                <a:sym typeface="Courier New"/>
-              </a:rPr>
-              <a:t>s</a:t>
-            </a:r>
-            <a:r>
-              <a:rPr baseline="-5999">
-                <a:latin typeface="Courier New"/>
-                <a:ea typeface="Courier New"/>
-                <a:cs typeface="Courier New"/>
-                <a:sym typeface="Courier New"/>
-              </a:rPr>
-              <a:t>i</a:t>
-            </a:r>
-            <a:r>
-              <a:rPr>
-                <a:latin typeface="Courier New"/>
-                <a:ea typeface="Courier New"/>
-                <a:cs typeface="Courier New"/>
-                <a:sym typeface="Courier New"/>
-              </a:rPr>
-              <a:t>,f</a:t>
-            </a:r>
-            <a:r>
-              <a:rPr baseline="-5999">
-                <a:latin typeface="Courier New"/>
-                <a:ea typeface="Courier New"/>
-                <a:cs typeface="Courier New"/>
-                <a:sym typeface="Courier New"/>
-              </a:rPr>
-              <a:t>i</a:t>
-            </a:r>
-            <a:r>
-              <a:t>] is called processing interval.</a:t>
-            </a:r>
-          </a:p>
-          <a:p>
-            <a:pPr lvl="1"/>
-            <a:r>
-              <a:t>Two tasks overlap if their intervals overlap at a point other than start time and end time.</a:t>
-            </a:r>
-          </a:p>
-          <a:p>
-            <a:pPr/>
-            <a:r>
-              <a:t>Problem: Find optimal number of machines on which these tasks can be assigned.</a:t>
-            </a:r>
-          </a:p>
-          <a:p>
-            <a:pPr/>
-            <a:r>
-              <a:t>Feasible solution:</a:t>
-            </a:r>
-          </a:p>
-          <a:p>
-            <a:pPr lvl="1"/>
-            <a:r>
-              <a:t>Assign one task to each machine. It is feasible but not optimal since this would need N machines.</a:t>
+              </a:defRPr>
+            </a:pPr>
+            <a:r>
+              <a:t>T=150L, C</a:t>
+            </a:r>
+            <a:r>
+              <a:rPr baseline="-5999"/>
+              <a:t>1</a:t>
+            </a:r>
+            <a:r>
+              <a:t>=50L, C</a:t>
+            </a:r>
+            <a:r>
+              <a:rPr baseline="-5999"/>
+              <a:t>2</a:t>
+            </a:r>
+            <a:r>
+              <a:t>=60L, C</a:t>
+            </a:r>
+            <a:r>
+              <a:rPr baseline="-5999"/>
+              <a:t>3</a:t>
+            </a:r>
+            <a:r>
+              <a:t>=90L</a:t>
             </a:r>
           </a:p>
         </p:txBody>
@@ -4682,17 +4442,13 @@
       </p:sp>
       <p:sp>
         <p:nvSpPr>
-          <p:cNvPr id="114" name="Example: 7 tasks with their start and end times."/>
+          <p:cNvPr id="114" name="Given…"/>
           <p:cNvSpPr txBox="1"/>
           <p:nvPr>
-            <p:ph type="body" sz="quarter" idx="1"/>
+            <p:ph type="body" idx="1"/>
           </p:nvPr>
         </p:nvSpPr>
         <p:spPr>
-          <a:xfrm>
-            <a:off x="666288" y="938113"/>
-            <a:ext cx="9055611" cy="670983"/>
-          </a:xfrm>
           <a:prstGeom prst="rect">
             <a:avLst/>
           </a:prstGeom>
@@ -4703,7 +4459,142 @@
           <a:p>
             <a:pPr/>
             <a:r>
-              <a:t>Example: 7 tasks with their start and end times.</a:t>
+              <a:t>Given </a:t>
+            </a:r>
+          </a:p>
+          <a:p>
+            <a:pPr lvl="1"/>
+            <a:r>
+              <a:t>N tasks and infinite supply of machines on which these tasks can be run.</a:t>
+            </a:r>
+          </a:p>
+          <a:p>
+            <a:pPr lvl="1"/>
+            <a:r>
+              <a:t>Each task has a start time </a:t>
+            </a:r>
+            <a:r>
+              <a:rPr>
+                <a:latin typeface="Courier New"/>
+                <a:ea typeface="Courier New"/>
+                <a:cs typeface="Courier New"/>
+                <a:sym typeface="Courier New"/>
+              </a:rPr>
+              <a:t>s</a:t>
+            </a:r>
+            <a:r>
+              <a:rPr baseline="-5999">
+                <a:latin typeface="Courier New"/>
+                <a:ea typeface="Courier New"/>
+                <a:cs typeface="Courier New"/>
+                <a:sym typeface="Courier New"/>
+              </a:rPr>
+              <a:t>i</a:t>
+            </a:r>
+            <a:r>
+              <a:t> and finish time </a:t>
+            </a:r>
+            <a:r>
+              <a:rPr>
+                <a:latin typeface="Courier New"/>
+                <a:ea typeface="Courier New"/>
+                <a:cs typeface="Courier New"/>
+                <a:sym typeface="Courier New"/>
+              </a:rPr>
+              <a:t>f</a:t>
+            </a:r>
+            <a:r>
+              <a:rPr baseline="-5999">
+                <a:latin typeface="Courier New"/>
+                <a:ea typeface="Courier New"/>
+                <a:cs typeface="Courier New"/>
+                <a:sym typeface="Courier New"/>
+              </a:rPr>
+              <a:t>i</a:t>
+            </a:r>
+            <a:r>
+              <a:rPr>
+                <a:latin typeface="Courier New"/>
+                <a:ea typeface="Courier New"/>
+                <a:cs typeface="Courier New"/>
+                <a:sym typeface="Courier New"/>
+              </a:rPr>
+              <a:t>&gt;s</a:t>
+            </a:r>
+            <a:r>
+              <a:rPr baseline="-5999">
+                <a:latin typeface="Courier New"/>
+                <a:ea typeface="Courier New"/>
+                <a:cs typeface="Courier New"/>
+                <a:sym typeface="Courier New"/>
+              </a:rPr>
+              <a:t>i</a:t>
+            </a:r>
+            <a:r>
+              <a:t>. [</a:t>
+            </a:r>
+            <a:r>
+              <a:rPr>
+                <a:latin typeface="Courier New"/>
+                <a:ea typeface="Courier New"/>
+                <a:cs typeface="Courier New"/>
+                <a:sym typeface="Courier New"/>
+              </a:rPr>
+              <a:t>s</a:t>
+            </a:r>
+            <a:r>
+              <a:rPr baseline="-5999">
+                <a:latin typeface="Courier New"/>
+                <a:ea typeface="Courier New"/>
+                <a:cs typeface="Courier New"/>
+                <a:sym typeface="Courier New"/>
+              </a:rPr>
+              <a:t>i</a:t>
+            </a:r>
+            <a:r>
+              <a:rPr>
+                <a:latin typeface="Courier New"/>
+                <a:ea typeface="Courier New"/>
+                <a:cs typeface="Courier New"/>
+                <a:sym typeface="Courier New"/>
+              </a:rPr>
+              <a:t>,f</a:t>
+            </a:r>
+            <a:r>
+              <a:rPr baseline="-5999">
+                <a:latin typeface="Courier New"/>
+                <a:ea typeface="Courier New"/>
+                <a:cs typeface="Courier New"/>
+                <a:sym typeface="Courier New"/>
+              </a:rPr>
+              <a:t>i</a:t>
+            </a:r>
+            <a:r>
+              <a:t>] is called processing interval.</a:t>
+            </a:r>
+          </a:p>
+          <a:p>
+            <a:pPr lvl="1"/>
+            <a:r>
+              <a:t>Two tasks overlap if their intervals overlap at a point other than start time and end time.</a:t>
+            </a:r>
+          </a:p>
+          <a:p>
+            <a:pPr/>
+            <a:r>
+              <a:t>Problem: Find optimal number of machines on which these tasks can be assigned.</a:t>
+            </a:r>
+          </a:p>
+          <a:p>
+            <a:pPr/>
+            <a:r>
+              <a:t>Feasible solution:</a:t>
+            </a:r>
+          </a:p>
+          <a:p>
+            <a:pPr lvl="1"/>
+            <a:r>
+              <a:t>Assign one task to each machine. It is feasible but not optimal since this would need N machines.</a:t>
             </a:r>
           </a:p>
         </p:txBody>
@@ -4815,9 +4706,591 @@
           </a:p>
         </p:txBody>
       </p:sp>
+    </p:spTree>
+  </p:cSld>
+  <p:clrMapOvr>
+    <a:masterClrMapping/>
+  </p:clrMapOvr>
+  <p:transition xmlns:p14="http://schemas.microsoft.com/office/powerpoint/2010/main" spd="med" advClick="1"/>
+  <p:timing>
+    <p:tnLst>
+      <p:par>
+        <p:cTn id="1" nodeType="tmRoot" restart="never" dur="indefinite" fill="hold">
+          <p:childTnLst>
+            <p:seq concurrent="1" prevAc="none" nextAc="seek">
+              <p:cTn id="2" nodeType="mainSeq" dur="indefinite" fill="hold">
+                <p:childTnLst>
+                  <p:par>
+                    <p:cTn id="3" fill="hold">
+                      <p:stCondLst>
+                        <p:cond delay="indefinite"/>
+                      </p:stCondLst>
+                      <p:childTnLst>
+                        <p:par>
+                          <p:cTn id="4" fill="hold">
+                            <p:stCondLst>
+                              <p:cond delay="0"/>
+                            </p:stCondLst>
+                            <p:childTnLst>
+                              <p:par>
+                                <p:cTn id="5" presetClass="entr" nodeType="clickEffect" presetSubtype="0" presetID="1" grpId="1" fill="hold">
+                                  <p:stCondLst>
+                                    <p:cond delay="0"/>
+                                  </p:stCondLst>
+                                  <p:iterate type="el" backwards="0">
+                                    <p:tmAbs val="0"/>
+                                  </p:iterate>
+                                  <p:childTnLst>
+                                    <p:set>
+                                      <p:cBhvr>
+                                        <p:cTn id="6" fill="hold"/>
+                                        <p:tgtEl>
+                                          <p:spTgt spid="114">
+                                            <p:bg/>
+                                          </p:spTgt>
+                                        </p:tgtEl>
+                                        <p:attrNameLst>
+                                          <p:attrName>style.visibility</p:attrName>
+                                        </p:attrNameLst>
+                                      </p:cBhvr>
+                                      <p:to>
+                                        <p:strVal val="visible"/>
+                                      </p:to>
+                                    </p:set>
+                                  </p:childTnLst>
+                                </p:cTn>
+                              </p:par>
+                              <p:par>
+                                <p:cTn id="7" presetClass="entr" nodeType="withEffect" presetSubtype="0" presetID="1" grpId="1" fill="hold">
+                                  <p:stCondLst>
+                                    <p:cond delay="0"/>
+                                  </p:stCondLst>
+                                  <p:iterate type="el" backwards="0">
+                                    <p:tmAbs val="0"/>
+                                  </p:iterate>
+                                  <p:childTnLst>
+                                    <p:set>
+                                      <p:cBhvr>
+                                        <p:cTn id="8" fill="hold"/>
+                                        <p:tgtEl>
+                                          <p:spTgt spid="114">
+                                            <p:txEl>
+                                              <p:pRg st="0" end="0"/>
+                                            </p:txEl>
+                                          </p:spTgt>
+                                        </p:tgtEl>
+                                        <p:attrNameLst>
+                                          <p:attrName>style.visibility</p:attrName>
+                                        </p:attrNameLst>
+                                      </p:cBhvr>
+                                      <p:to>
+                                        <p:strVal val="visible"/>
+                                      </p:to>
+                                    </p:set>
+                                  </p:childTnLst>
+                                </p:cTn>
+                              </p:par>
+                            </p:childTnLst>
+                          </p:cTn>
+                        </p:par>
+                      </p:childTnLst>
+                    </p:cTn>
+                  </p:par>
+                  <p:par>
+                    <p:cTn id="9" fill="hold">
+                      <p:stCondLst>
+                        <p:cond delay="indefinite"/>
+                      </p:stCondLst>
+                      <p:childTnLst>
+                        <p:par>
+                          <p:cTn id="10" fill="hold">
+                            <p:stCondLst>
+                              <p:cond delay="0"/>
+                            </p:stCondLst>
+                            <p:childTnLst>
+                              <p:par>
+                                <p:cTn id="11" presetClass="entr" nodeType="clickEffect" presetSubtype="0" presetID="1" grpId="1" fill="hold">
+                                  <p:stCondLst>
+                                    <p:cond delay="0"/>
+                                  </p:stCondLst>
+                                  <p:iterate type="el" backwards="0">
+                                    <p:tmAbs val="0"/>
+                                  </p:iterate>
+                                  <p:childTnLst>
+                                    <p:set>
+                                      <p:cBhvr>
+                                        <p:cTn id="12" fill="hold"/>
+                                        <p:tgtEl>
+                                          <p:spTgt spid="114">
+                                            <p:txEl>
+                                              <p:pRg st="1" end="1"/>
+                                            </p:txEl>
+                                          </p:spTgt>
+                                        </p:tgtEl>
+                                        <p:attrNameLst>
+                                          <p:attrName>style.visibility</p:attrName>
+                                        </p:attrNameLst>
+                                      </p:cBhvr>
+                                      <p:to>
+                                        <p:strVal val="visible"/>
+                                      </p:to>
+                                    </p:set>
+                                  </p:childTnLst>
+                                </p:cTn>
+                              </p:par>
+                            </p:childTnLst>
+                          </p:cTn>
+                        </p:par>
+                      </p:childTnLst>
+                    </p:cTn>
+                  </p:par>
+                  <p:par>
+                    <p:cTn id="13" fill="hold">
+                      <p:stCondLst>
+                        <p:cond delay="indefinite"/>
+                      </p:stCondLst>
+                      <p:childTnLst>
+                        <p:par>
+                          <p:cTn id="14" fill="hold">
+                            <p:stCondLst>
+                              <p:cond delay="0"/>
+                            </p:stCondLst>
+                            <p:childTnLst>
+                              <p:par>
+                                <p:cTn id="15" presetClass="entr" nodeType="clickEffect" presetSubtype="0" presetID="1" grpId="1" fill="hold">
+                                  <p:stCondLst>
+                                    <p:cond delay="0"/>
+                                  </p:stCondLst>
+                                  <p:iterate type="el" backwards="0">
+                                    <p:tmAbs val="0"/>
+                                  </p:iterate>
+                                  <p:childTnLst>
+                                    <p:set>
+                                      <p:cBhvr>
+                                        <p:cTn id="16" fill="hold"/>
+                                        <p:tgtEl>
+                                          <p:spTgt spid="114">
+                                            <p:txEl>
+                                              <p:pRg st="2" end="2"/>
+                                            </p:txEl>
+                                          </p:spTgt>
+                                        </p:tgtEl>
+                                        <p:attrNameLst>
+                                          <p:attrName>style.visibility</p:attrName>
+                                        </p:attrNameLst>
+                                      </p:cBhvr>
+                                      <p:to>
+                                        <p:strVal val="visible"/>
+                                      </p:to>
+                                    </p:set>
+                                  </p:childTnLst>
+                                </p:cTn>
+                              </p:par>
+                            </p:childTnLst>
+                          </p:cTn>
+                        </p:par>
+                      </p:childTnLst>
+                    </p:cTn>
+                  </p:par>
+                  <p:par>
+                    <p:cTn id="17" fill="hold">
+                      <p:stCondLst>
+                        <p:cond delay="indefinite"/>
+                      </p:stCondLst>
+                      <p:childTnLst>
+                        <p:par>
+                          <p:cTn id="18" fill="hold">
+                            <p:stCondLst>
+                              <p:cond delay="0"/>
+                            </p:stCondLst>
+                            <p:childTnLst>
+                              <p:par>
+                                <p:cTn id="19" presetClass="entr" nodeType="clickEffect" presetSubtype="0" presetID="1" grpId="1" fill="hold">
+                                  <p:stCondLst>
+                                    <p:cond delay="0"/>
+                                  </p:stCondLst>
+                                  <p:iterate type="el" backwards="0">
+                                    <p:tmAbs val="0"/>
+                                  </p:iterate>
+                                  <p:childTnLst>
+                                    <p:set>
+                                      <p:cBhvr>
+                                        <p:cTn id="20" fill="hold"/>
+                                        <p:tgtEl>
+                                          <p:spTgt spid="114">
+                                            <p:txEl>
+                                              <p:pRg st="3" end="3"/>
+                                            </p:txEl>
+                                          </p:spTgt>
+                                        </p:tgtEl>
+                                        <p:attrNameLst>
+                                          <p:attrName>style.visibility</p:attrName>
+                                        </p:attrNameLst>
+                                      </p:cBhvr>
+                                      <p:to>
+                                        <p:strVal val="visible"/>
+                                      </p:to>
+                                    </p:set>
+                                  </p:childTnLst>
+                                </p:cTn>
+                              </p:par>
+                            </p:childTnLst>
+                          </p:cTn>
+                        </p:par>
+                      </p:childTnLst>
+                    </p:cTn>
+                  </p:par>
+                  <p:par>
+                    <p:cTn id="21" fill="hold">
+                      <p:stCondLst>
+                        <p:cond delay="indefinite"/>
+                      </p:stCondLst>
+                      <p:childTnLst>
+                        <p:par>
+                          <p:cTn id="22" fill="hold">
+                            <p:stCondLst>
+                              <p:cond delay="0"/>
+                            </p:stCondLst>
+                            <p:childTnLst>
+                              <p:par>
+                                <p:cTn id="23" presetClass="entr" nodeType="clickEffect" presetSubtype="0" presetID="1" grpId="1" fill="hold">
+                                  <p:stCondLst>
+                                    <p:cond delay="0"/>
+                                  </p:stCondLst>
+                                  <p:iterate type="el" backwards="0">
+                                    <p:tmAbs val="0"/>
+                                  </p:iterate>
+                                  <p:childTnLst>
+                                    <p:set>
+                                      <p:cBhvr>
+                                        <p:cTn id="24" fill="hold"/>
+                                        <p:tgtEl>
+                                          <p:spTgt spid="114">
+                                            <p:txEl>
+                                              <p:pRg st="4" end="4"/>
+                                            </p:txEl>
+                                          </p:spTgt>
+                                        </p:tgtEl>
+                                        <p:attrNameLst>
+                                          <p:attrName>style.visibility</p:attrName>
+                                        </p:attrNameLst>
+                                      </p:cBhvr>
+                                      <p:to>
+                                        <p:strVal val="visible"/>
+                                      </p:to>
+                                    </p:set>
+                                  </p:childTnLst>
+                                </p:cTn>
+                              </p:par>
+                            </p:childTnLst>
+                          </p:cTn>
+                        </p:par>
+                      </p:childTnLst>
+                    </p:cTn>
+                  </p:par>
+                  <p:par>
+                    <p:cTn id="25" fill="hold">
+                      <p:stCondLst>
+                        <p:cond delay="indefinite"/>
+                      </p:stCondLst>
+                      <p:childTnLst>
+                        <p:par>
+                          <p:cTn id="26" fill="hold">
+                            <p:stCondLst>
+                              <p:cond delay="0"/>
+                            </p:stCondLst>
+                            <p:childTnLst>
+                              <p:par>
+                                <p:cTn id="27" presetClass="entr" nodeType="clickEffect" presetSubtype="0" presetID="1" grpId="1" fill="hold">
+                                  <p:stCondLst>
+                                    <p:cond delay="0"/>
+                                  </p:stCondLst>
+                                  <p:iterate type="el" backwards="0">
+                                    <p:tmAbs val="0"/>
+                                  </p:iterate>
+                                  <p:childTnLst>
+                                    <p:set>
+                                      <p:cBhvr>
+                                        <p:cTn id="28" fill="hold"/>
+                                        <p:tgtEl>
+                                          <p:spTgt spid="114">
+                                            <p:txEl>
+                                              <p:pRg st="5" end="5"/>
+                                            </p:txEl>
+                                          </p:spTgt>
+                                        </p:tgtEl>
+                                        <p:attrNameLst>
+                                          <p:attrName>style.visibility</p:attrName>
+                                        </p:attrNameLst>
+                                      </p:cBhvr>
+                                      <p:to>
+                                        <p:strVal val="visible"/>
+                                      </p:to>
+                                    </p:set>
+                                  </p:childTnLst>
+                                </p:cTn>
+                              </p:par>
+                            </p:childTnLst>
+                          </p:cTn>
+                        </p:par>
+                      </p:childTnLst>
+                    </p:cTn>
+                  </p:par>
+                  <p:par>
+                    <p:cTn id="29" fill="hold">
+                      <p:stCondLst>
+                        <p:cond delay="indefinite"/>
+                      </p:stCondLst>
+                      <p:childTnLst>
+                        <p:par>
+                          <p:cTn id="30" fill="hold">
+                            <p:stCondLst>
+                              <p:cond delay="0"/>
+                            </p:stCondLst>
+                            <p:childTnLst>
+                              <p:par>
+                                <p:cTn id="31" presetClass="entr" nodeType="clickEffect" presetSubtype="0" presetID="1" grpId="1" fill="hold">
+                                  <p:stCondLst>
+                                    <p:cond delay="0"/>
+                                  </p:stCondLst>
+                                  <p:iterate type="el" backwards="0">
+                                    <p:tmAbs val="0"/>
+                                  </p:iterate>
+                                  <p:childTnLst>
+                                    <p:set>
+                                      <p:cBhvr>
+                                        <p:cTn id="32" fill="hold"/>
+                                        <p:tgtEl>
+                                          <p:spTgt spid="114">
+                                            <p:txEl>
+                                              <p:pRg st="6" end="6"/>
+                                            </p:txEl>
+                                          </p:spTgt>
+                                        </p:tgtEl>
+                                        <p:attrNameLst>
+                                          <p:attrName>style.visibility</p:attrName>
+                                        </p:attrNameLst>
+                                      </p:cBhvr>
+                                      <p:to>
+                                        <p:strVal val="visible"/>
+                                      </p:to>
+                                    </p:set>
+                                  </p:childTnLst>
+                                </p:cTn>
+                              </p:par>
+                            </p:childTnLst>
+                          </p:cTn>
+                        </p:par>
+                      </p:childTnLst>
+                    </p:cTn>
+                  </p:par>
+                </p:childTnLst>
+              </p:cTn>
+              <p:prevCondLst>
+                <p:cond evt="onPrev">
+                  <p:tgtEl>
+                    <p:sldTgt/>
+                  </p:tgtEl>
+                </p:cond>
+              </p:prevCondLst>
+              <p:nextCondLst>
+                <p:cond evt="onNext">
+                  <p:tgtEl>
+                    <p:sldTgt/>
+                  </p:tgtEl>
+                </p:cond>
+              </p:nextCondLst>
+            </p:seq>
+          </p:childTnLst>
+        </p:cTn>
+      </p:par>
+    </p:tnLst>
+    <p:bldLst>
+      <p:bldP build="p" bldLvl="5" animBg="1" rev="0" advAuto="0" spid="114" grpId="1"/>
+    </p:bldLst>
+  </p:timing>
+</p:sld>
+</file>
+
+<file path=ppt/slides/slide14.xml><?xml version="1.0" encoding="utf-8"?>
+<p:sld xmlns:a="http://schemas.openxmlformats.org/drawingml/2006/main" xmlns:r="http://schemas.openxmlformats.org/officeDocument/2006/relationships" xmlns:p="http://schemas.openxmlformats.org/presentationml/2006/main" xmlns:m="http://schemas.openxmlformats.org/officeDocument/2006/math" xmlns:a14="http://schemas.microsoft.com/office/drawing/2010/main" showMasterSp="1" showMasterPhAnim="1">
+  <p:cSld>
+    <p:spTree>
+      <p:nvGrpSpPr>
+        <p:cNvPr id="1" name=""/>
+        <p:cNvGrpSpPr/>
+        <p:nvPr/>
+      </p:nvGrpSpPr>
+      <p:grpSpPr>
+        <a:xfrm>
+          <a:off x="0" y="0"/>
+          <a:ext cx="0" cy="0"/>
+          <a:chOff x="0" y="0"/>
+          <a:chExt cx="0" cy="0"/>
+        </a:xfrm>
+      </p:grpSpPr>
+      <p:sp>
+        <p:nvSpPr>
+          <p:cNvPr id="119" name="Machine Scheduling Problem"/>
+          <p:cNvSpPr txBox="1"/>
+          <p:nvPr>
+            <p:ph type="title"/>
+          </p:nvPr>
+        </p:nvSpPr>
+        <p:spPr>
+          <a:prstGeom prst="rect">
+            <a:avLst/>
+          </a:prstGeom>
+        </p:spPr>
+        <p:txBody>
+          <a:bodyPr/>
+          <a:lstStyle/>
+          <a:p>
+            <a:pPr/>
+            <a:r>
+              <a:t>Machine Scheduling Problem</a:t>
+            </a:r>
+          </a:p>
+        </p:txBody>
+      </p:sp>
+      <p:sp>
+        <p:nvSpPr>
+          <p:cNvPr id="120" name="Example: 7 tasks with their start and end times."/>
+          <p:cNvSpPr txBox="1"/>
+          <p:nvPr>
+            <p:ph type="body" sz="quarter" idx="1"/>
+          </p:nvPr>
+        </p:nvSpPr>
+        <p:spPr>
+          <a:xfrm>
+            <a:off x="666288" y="938113"/>
+            <a:ext cx="9055611" cy="670983"/>
+          </a:xfrm>
+          <a:prstGeom prst="rect">
+            <a:avLst/>
+          </a:prstGeom>
+        </p:spPr>
+        <p:txBody>
+          <a:bodyPr/>
+          <a:lstStyle/>
+          <a:p>
+            <a:pPr/>
+            <a:r>
+              <a:t>Example: 7 tasks with their start and end times.</a:t>
+            </a:r>
+          </a:p>
+        </p:txBody>
+      </p:sp>
+      <p:sp>
+        <p:nvSpPr>
+          <p:cNvPr id="121" name="Slide Number"/>
+          <p:cNvSpPr txBox="1"/>
+          <p:nvPr>
+            <p:ph type="sldNum" sz="quarter" idx="2"/>
+          </p:nvPr>
+        </p:nvSpPr>
+        <p:spPr>
+          <a:prstGeom prst="rect">
+            <a:avLst/>
+          </a:prstGeom>
+          <a:extLst>
+            <a:ext uri="{C572A759-6A51-4108-AA02-DFA0A04FC94B}">
+              <ma14:wrappingTextBoxFlag xmlns:ma14="http://schemas.microsoft.com/office/mac/drawingml/2011/main" val="1"/>
+            </a:ext>
+          </a:extLst>
+        </p:spPr>
+        <p:txBody>
+          <a:bodyPr/>
+          <a:lstStyle/>
+          <a:p>
+            <a:pPr/>
+            <a:fld id="{86CB4B4D-7CA3-9044-876B-883B54F8677D}" type="slidenum"/>
+          </a:p>
+        </p:txBody>
+      </p:sp>
+      <p:sp>
+        <p:nvSpPr>
+          <p:cNvPr id="122" name="DAA/Greedy Algorithms"/>
+          <p:cNvSpPr txBox="1"/>
+          <p:nvPr/>
+        </p:nvSpPr>
+        <p:spPr>
+          <a:xfrm>
+            <a:off x="423212" y="6963885"/>
+            <a:ext cx="3244911" cy="431552"/>
+          </a:xfrm>
+          <a:prstGeom prst="rect">
+            <a:avLst/>
+          </a:prstGeom>
+          <a:ln w="12700">
+            <a:miter lim="400000"/>
+          </a:ln>
+          <a:extLst>
+            <a:ext uri="{C572A759-6A51-4108-AA02-DFA0A04FC94B}">
+              <ma14:wrappingTextBoxFlag xmlns:ma14="http://schemas.microsoft.com/office/mac/drawingml/2011/main" val="1"/>
+            </a:ext>
+          </a:extLst>
+        </p:spPr>
+        <p:txBody>
+          <a:bodyPr wrap="none" lIns="50800" tIns="50800" rIns="50800" bIns="50800" anchor="ctr">
+            <a:spAutoFit/>
+          </a:bodyPr>
+          <a:lstStyle>
+            <a:lvl1pPr>
+              <a:defRPr sz="2400"/>
+            </a:lvl1pPr>
+          </a:lstStyle>
+          <a:p>
+            <a:pPr/>
+            <a:r>
+              <a:t>DAA/Greedy Algorithms</a:t>
+            </a:r>
+          </a:p>
+        </p:txBody>
+      </p:sp>
+      <p:sp>
+        <p:nvSpPr>
+          <p:cNvPr id="123" name="RPR/"/>
+          <p:cNvSpPr txBox="1"/>
+          <p:nvPr/>
+        </p:nvSpPr>
+        <p:spPr>
+          <a:xfrm>
+            <a:off x="7535212" y="6988206"/>
+            <a:ext cx="705605" cy="382910"/>
+          </a:xfrm>
+          <a:prstGeom prst="rect">
+            <a:avLst/>
+          </a:prstGeom>
+          <a:ln w="12700">
+            <a:miter lim="400000"/>
+          </a:ln>
+          <a:extLst>
+            <a:ext uri="{C572A759-6A51-4108-AA02-DFA0A04FC94B}">
+              <ma14:wrappingTextBoxFlag xmlns:ma14="http://schemas.microsoft.com/office/mac/drawingml/2011/main" val="1"/>
+            </a:ext>
+          </a:extLst>
+        </p:spPr>
+        <p:txBody>
+          <a:bodyPr wrap="none" lIns="50800" tIns="50800" rIns="50800" bIns="50800" anchor="ctr">
+            <a:spAutoFit/>
+          </a:bodyPr>
+          <a:lstStyle>
+            <a:lvl1pPr>
+              <a:defRPr sz="2000"/>
+            </a:lvl1pPr>
+          </a:lstStyle>
+          <a:p>
+            <a:pPr/>
+            <a:r>
+              <a:t>RPR/</a:t>
+            </a:r>
+          </a:p>
+        </p:txBody>
+      </p:sp>
       <p:graphicFrame>
         <p:nvGraphicFramePr>
-          <p:cNvPr id="118" name="Table"/>
+          <p:cNvPr id="124" name="Table"/>
           <p:cNvGraphicFramePr/>
           <p:nvPr/>
         </p:nvGraphicFramePr>
@@ -5824,7 +6297,7 @@
       </p:graphicFrame>
       <p:sp>
         <p:nvSpPr>
-          <p:cNvPr id="119" name="Q: What should be the Greedy approach for machine assignment…"/>
+          <p:cNvPr id="125" name="Q: What should be the Greedy approach for machine assignment…"/>
           <p:cNvSpPr txBox="1"/>
           <p:nvPr/>
         </p:nvSpPr>
@@ -5980,7 +6453,7 @@
                                       <p:cBhvr>
                                         <p:cTn id="6" fill="hold"/>
                                         <p:tgtEl>
-                                          <p:spTgt spid="114"/>
+                                          <p:spTgt spid="120"/>
                                         </p:tgtEl>
                                         <p:attrNameLst>
                                           <p:attrName>style.visibility</p:attrName>
@@ -6024,7 +6497,7 @@
                                       <p:cBhvr>
                                         <p:cTn id="10" fill="hold"/>
                                         <p:tgtEl>
-                                          <p:spTgt spid="118"/>
+                                          <p:spTgt spid="124"/>
                                         </p:tgtEl>
                                         <p:attrNameLst>
                                           <p:attrName>style.visibility</p:attrName>
@@ -6068,7 +6541,7 @@
                                       <p:cBhvr>
                                         <p:cTn id="14" fill="hold"/>
                                         <p:tgtEl>
-                                          <p:spTgt spid="119">
+                                          <p:spTgt spid="125">
                                             <p:bg/>
                                           </p:spTgt>
                                         </p:tgtEl>
@@ -6096,7 +6569,7 @@
                                       <p:cBhvr>
                                         <p:cTn id="16" fill="hold"/>
                                         <p:tgtEl>
-                                          <p:spTgt spid="119">
+                                          <p:spTgt spid="125">
                                             <p:txEl>
                                               <p:pRg st="0" end="0"/>
                                             </p:txEl>
@@ -6144,7 +6617,7 @@
                                       <p:cBhvr>
                                         <p:cTn id="20" fill="hold"/>
                                         <p:tgtEl>
-                                          <p:spTgt spid="119">
+                                          <p:spTgt spid="125">
                                             <p:txEl>
                                               <p:pRg st="1" end="1"/>
                                             </p:txEl>
@@ -6192,7 +6665,7 @@
                                       <p:cBhvr>
                                         <p:cTn id="24" fill="hold"/>
                                         <p:tgtEl>
-                                          <p:spTgt spid="119">
+                                          <p:spTgt spid="125">
                                             <p:txEl>
                                               <p:pRg st="2" end="2"/>
                                             </p:txEl>
@@ -6240,7 +6713,7 @@
                                       <p:cBhvr>
                                         <p:cTn id="28" fill="hold"/>
                                         <p:tgtEl>
-                                          <p:spTgt spid="119">
+                                          <p:spTgt spid="125">
                                             <p:txEl>
                                               <p:pRg st="3" end="3"/>
                                             </p:txEl>
@@ -6285,15 +6758,15 @@
       </p:par>
     </p:tnLst>
     <p:bldLst>
-      <p:bldP build="whole" bldLvl="1" animBg="1" rev="0" advAuto="0" spid="118" grpId="2"/>
-      <p:bldP build="p" bldLvl="5" animBg="1" rev="0" advAuto="0" spid="119" grpId="3"/>
-      <p:bldP build="whole" bldLvl="1" animBg="1" rev="0" advAuto="0" spid="114" grpId="1"/>
+      <p:bldP build="p" bldLvl="5" animBg="1" rev="0" advAuto="0" spid="125" grpId="3"/>
+      <p:bldP build="whole" bldLvl="1" animBg="1" rev="0" advAuto="0" spid="120" grpId="1"/>
+      <p:bldP build="whole" bldLvl="1" animBg="1" rev="0" advAuto="0" spid="124" grpId="2"/>
     </p:bldLst>
   </p:timing>
 </p:sld>
 </file>
 
-<file path=ppt/slides/slide14.xml><?xml version="1.0" encoding="utf-8"?>
+<file path=ppt/slides/slide15.xml><?xml version="1.0" encoding="utf-8"?>
 <p:sld xmlns:a="http://schemas.openxmlformats.org/drawingml/2006/main" xmlns:r="http://schemas.openxmlformats.org/officeDocument/2006/relationships" xmlns:p="http://schemas.openxmlformats.org/presentationml/2006/main" xmlns:m="http://schemas.openxmlformats.org/officeDocument/2006/math" xmlns:a14="http://schemas.microsoft.com/office/drawing/2010/main" showMasterSp="1" showMasterPhAnim="1">
   <p:cSld>
     <p:spTree>
@@ -6312,7 +6785,7 @@
       </p:grpSpPr>
       <p:sp>
         <p:nvSpPr>
-          <p:cNvPr id="121" name="Machine Assignment"/>
+          <p:cNvPr id="127" name="Machine Assignment"/>
           <p:cNvSpPr txBox="1"/>
           <p:nvPr>
             <p:ph type="title"/>
@@ -6336,7 +6809,7 @@
       </p:sp>
       <p:sp>
         <p:nvSpPr>
-          <p:cNvPr id="122" name="Sort the tasks as per start time"/>
+          <p:cNvPr id="128" name="Sort the tasks as per start time"/>
           <p:cNvSpPr txBox="1"/>
           <p:nvPr>
             <p:ph type="body" sz="quarter" idx="1"/>
@@ -6364,7 +6837,7 @@
       </p:sp>
       <p:sp>
         <p:nvSpPr>
-          <p:cNvPr id="123" name="Slide Number"/>
+          <p:cNvPr id="129" name="Slide Number"/>
           <p:cNvSpPr txBox="1"/>
           <p:nvPr>
             <p:ph type="sldNum" sz="quarter" idx="2"/>
@@ -6391,7 +6864,7 @@
       </p:sp>
       <p:sp>
         <p:nvSpPr>
-          <p:cNvPr id="124" name="DAA/Greedy Algorithms"/>
+          <p:cNvPr id="130" name="DAA/Greedy Algorithms"/>
           <p:cNvSpPr txBox="1"/>
           <p:nvPr/>
         </p:nvSpPr>
@@ -6431,7 +6904,7 @@
       </p:sp>
       <p:sp>
         <p:nvSpPr>
-          <p:cNvPr id="125" name="RPR/"/>
+          <p:cNvPr id="131" name="RPR/"/>
           <p:cNvSpPr txBox="1"/>
           <p:nvPr/>
         </p:nvSpPr>
@@ -6471,7 +6944,7 @@
       </p:sp>
       <p:graphicFrame>
         <p:nvGraphicFramePr>
-          <p:cNvPr id="126" name="Table"/>
+          <p:cNvPr id="132" name="Table"/>
           <p:cNvGraphicFramePr/>
           <p:nvPr/>
         </p:nvGraphicFramePr>
@@ -7478,7 +7951,7 @@
       </p:graphicFrame>
       <p:graphicFrame>
         <p:nvGraphicFramePr>
-          <p:cNvPr id="127" name="Table"/>
+          <p:cNvPr id="133" name="Table"/>
           <p:cNvGraphicFramePr/>
           <p:nvPr/>
         </p:nvGraphicFramePr>
@@ -8522,7 +8995,7 @@
                                       <p:cBhvr>
                                         <p:cTn id="6" fill="hold"/>
                                         <p:tgtEl>
-                                          <p:spTgt spid="122"/>
+                                          <p:spTgt spid="128"/>
                                         </p:tgtEl>
                                         <p:attrNameLst>
                                           <p:attrName>style.visibility</p:attrName>
@@ -8566,7 +9039,7 @@
                                       <p:cBhvr>
                                         <p:cTn id="10" fill="hold"/>
                                         <p:tgtEl>
-                                          <p:spTgt spid="126"/>
+                                          <p:spTgt spid="132"/>
                                         </p:tgtEl>
                                         <p:attrNameLst>
                                           <p:attrName>style.visibility</p:attrName>
@@ -8610,7 +9083,7 @@
                                       <p:cBhvr>
                                         <p:cTn id="14" fill="hold"/>
                                         <p:tgtEl>
-                                          <p:spTgt spid="127"/>
+                                          <p:spTgt spid="133"/>
                                         </p:tgtEl>
                                         <p:attrNameLst>
                                           <p:attrName>style.visibility</p:attrName>
@@ -8651,15 +9124,15 @@
       </p:par>
     </p:tnLst>
     <p:bldLst>
-      <p:bldP build="whole" bldLvl="1" animBg="1" rev="0" advAuto="0" spid="126" grpId="2"/>
-      <p:bldP build="whole" bldLvl="1" animBg="1" rev="0" advAuto="0" spid="127" grpId="3"/>
-      <p:bldP build="whole" bldLvl="1" animBg="1" rev="0" advAuto="0" spid="122" grpId="1"/>
+      <p:bldP build="whole" bldLvl="1" animBg="1" rev="0" advAuto="0" spid="133" grpId="3"/>
+      <p:bldP build="whole" bldLvl="1" animBg="1" rev="0" advAuto="0" spid="128" grpId="1"/>
+      <p:bldP build="whole" bldLvl="1" animBg="1" rev="0" advAuto="0" spid="132" grpId="2"/>
     </p:bldLst>
   </p:timing>
 </p:sld>
 </file>
 
-<file path=ppt/slides/slide15.xml><?xml version="1.0" encoding="utf-8"?>
+<file path=ppt/slides/slide16.xml><?xml version="1.0" encoding="utf-8"?>
 <p:sld xmlns:a="http://schemas.openxmlformats.org/drawingml/2006/main" xmlns:r="http://schemas.openxmlformats.org/officeDocument/2006/relationships" xmlns:p="http://schemas.openxmlformats.org/presentationml/2006/main" xmlns:m="http://schemas.openxmlformats.org/officeDocument/2006/math" xmlns:a14="http://schemas.microsoft.com/office/drawing/2010/main" showMasterSp="1" showMasterPhAnim="1">
   <p:cSld>
     <p:spTree>
@@ -8678,7 +9151,7 @@
       </p:grpSpPr>
       <p:sp>
         <p:nvSpPr>
-          <p:cNvPr id="129" name="Machine Assignment"/>
+          <p:cNvPr id="135" name="Machine Assignment"/>
           <p:cNvSpPr txBox="1"/>
           <p:nvPr>
             <p:ph type="title"/>
@@ -8702,7 +9175,7 @@
       </p:sp>
       <p:sp>
         <p:nvSpPr>
-          <p:cNvPr id="130" name="Slide Number"/>
+          <p:cNvPr id="136" name="Slide Number"/>
           <p:cNvSpPr txBox="1"/>
           <p:nvPr>
             <p:ph type="sldNum" sz="quarter" idx="2"/>
@@ -8729,7 +9202,7 @@
       </p:sp>
       <p:sp>
         <p:nvSpPr>
-          <p:cNvPr id="131" name="DAA/Greedy Algorithms"/>
+          <p:cNvPr id="137" name="DAA/Greedy Algorithms"/>
           <p:cNvSpPr txBox="1"/>
           <p:nvPr/>
         </p:nvSpPr>
@@ -8769,7 +9242,7 @@
       </p:sp>
       <p:sp>
         <p:nvSpPr>
-          <p:cNvPr id="132" name="RPR/"/>
+          <p:cNvPr id="138" name="RPR/"/>
           <p:cNvSpPr txBox="1"/>
           <p:nvPr/>
         </p:nvSpPr>
@@ -8809,7 +9282,7 @@
       </p:sp>
       <p:graphicFrame>
         <p:nvGraphicFramePr>
-          <p:cNvPr id="133" name="Table"/>
+          <p:cNvPr id="139" name="Table"/>
           <p:cNvGraphicFramePr/>
           <p:nvPr/>
         </p:nvGraphicFramePr>
@@ -9816,7 +10289,7 @@
       </p:graphicFrame>
       <p:sp>
         <p:nvSpPr>
-          <p:cNvPr id="134" name="Line"/>
+          <p:cNvPr id="140" name="Line"/>
           <p:cNvSpPr/>
           <p:nvPr/>
         </p:nvSpPr>
@@ -9845,7 +10318,7 @@
       </p:sp>
       <p:sp>
         <p:nvSpPr>
-          <p:cNvPr id="135" name="Line"/>
+          <p:cNvPr id="141" name="Line"/>
           <p:cNvSpPr/>
           <p:nvPr/>
         </p:nvSpPr>
@@ -9874,7 +10347,7 @@
       </p:sp>
       <p:graphicFrame>
         <p:nvGraphicFramePr>
-          <p:cNvPr id="136" name="Table"/>
+          <p:cNvPr id="142" name="Table"/>
           <p:cNvGraphicFramePr/>
           <p:nvPr/>
         </p:nvGraphicFramePr>
@@ -10471,7 +10944,7 @@
       </p:graphicFrame>
       <p:sp>
         <p:nvSpPr>
-          <p:cNvPr id="137" name="M1"/>
+          <p:cNvPr id="143" name="M1"/>
           <p:cNvSpPr txBox="1"/>
           <p:nvPr/>
         </p:nvSpPr>
@@ -10516,7 +10989,7 @@
       </p:sp>
       <p:sp>
         <p:nvSpPr>
-          <p:cNvPr id="138" name="M2"/>
+          <p:cNvPr id="144" name="M2"/>
           <p:cNvSpPr txBox="1"/>
           <p:nvPr/>
         </p:nvSpPr>
@@ -10561,7 +11034,7 @@
       </p:sp>
       <p:sp>
         <p:nvSpPr>
-          <p:cNvPr id="139" name="M3"/>
+          <p:cNvPr id="145" name="M3"/>
           <p:cNvSpPr txBox="1"/>
           <p:nvPr/>
         </p:nvSpPr>
@@ -10606,7 +11079,7 @@
       </p:sp>
       <p:grpSp>
         <p:nvGrpSpPr>
-          <p:cNvPr id="142" name="Group"/>
+          <p:cNvPr id="148" name="Group"/>
           <p:cNvGrpSpPr/>
           <p:nvPr/>
         </p:nvGrpSpPr>
@@ -10620,7 +11093,7 @@
         </p:grpSpPr>
         <p:sp>
           <p:nvSpPr>
-            <p:cNvPr id="140" name="Line"/>
+            <p:cNvPr id="146" name="Line"/>
             <p:cNvSpPr/>
             <p:nvPr/>
           </p:nvSpPr>
@@ -10656,7 +11129,7 @@
         </p:sp>
         <p:sp>
           <p:nvSpPr>
-            <p:cNvPr id="141" name="A"/>
+            <p:cNvPr id="147" name="A"/>
             <p:cNvSpPr txBox="1"/>
             <p:nvPr/>
           </p:nvSpPr>
@@ -10705,7 +11178,7 @@
       </p:grpSp>
       <p:grpSp>
         <p:nvGrpSpPr>
-          <p:cNvPr id="145" name="Group"/>
+          <p:cNvPr id="151" name="Group"/>
           <p:cNvGrpSpPr/>
           <p:nvPr/>
         </p:nvGrpSpPr>
@@ -10719,7 +11192,7 @@
         </p:grpSpPr>
         <p:sp>
           <p:nvSpPr>
-            <p:cNvPr id="143" name="Line"/>
+            <p:cNvPr id="149" name="Line"/>
             <p:cNvSpPr/>
             <p:nvPr/>
           </p:nvSpPr>
@@ -10755,7 +11228,7 @@
         </p:sp>
         <p:sp>
           <p:nvSpPr>
-            <p:cNvPr id="144" name="F"/>
+            <p:cNvPr id="150" name="F"/>
             <p:cNvSpPr txBox="1"/>
             <p:nvPr/>
           </p:nvSpPr>
@@ -10804,7 +11277,7 @@
       </p:grpSp>
       <p:grpSp>
         <p:nvGrpSpPr>
-          <p:cNvPr id="148" name="Group"/>
+          <p:cNvPr id="154" name="Group"/>
           <p:cNvGrpSpPr/>
           <p:nvPr/>
         </p:nvGrpSpPr>
@@ -10818,7 +11291,7 @@
         </p:grpSpPr>
         <p:sp>
           <p:nvSpPr>
-            <p:cNvPr id="146" name="Line"/>
+            <p:cNvPr id="152" name="Line"/>
             <p:cNvSpPr/>
             <p:nvPr/>
           </p:nvSpPr>
@@ -10854,7 +11327,7 @@
         </p:sp>
         <p:sp>
           <p:nvSpPr>
-            <p:cNvPr id="147" name="B"/>
+            <p:cNvPr id="153" name="B"/>
             <p:cNvSpPr txBox="1"/>
             <p:nvPr/>
           </p:nvSpPr>
@@ -10903,7 +11376,7 @@
       </p:grpSp>
       <p:grpSp>
         <p:nvGrpSpPr>
-          <p:cNvPr id="151" name="Group"/>
+          <p:cNvPr id="157" name="Group"/>
           <p:cNvGrpSpPr/>
           <p:nvPr/>
         </p:nvGrpSpPr>
@@ -10917,7 +11390,7 @@
         </p:grpSpPr>
         <p:sp>
           <p:nvSpPr>
-            <p:cNvPr id="149" name="Line"/>
+            <p:cNvPr id="155" name="Line"/>
             <p:cNvSpPr/>
             <p:nvPr/>
           </p:nvSpPr>
@@ -10953,7 +11426,7 @@
         </p:sp>
         <p:sp>
           <p:nvSpPr>
-            <p:cNvPr id="150" name="G"/>
+            <p:cNvPr id="156" name="G"/>
             <p:cNvSpPr txBox="1"/>
             <p:nvPr/>
           </p:nvSpPr>
@@ -11002,7 +11475,7 @@
       </p:grpSp>
       <p:grpSp>
         <p:nvGrpSpPr>
-          <p:cNvPr id="154" name="Group"/>
+          <p:cNvPr id="160" name="Group"/>
           <p:cNvGrpSpPr/>
           <p:nvPr/>
         </p:nvGrpSpPr>
@@ -11016,7 +11489,7 @@
         </p:grpSpPr>
         <p:sp>
           <p:nvSpPr>
-            <p:cNvPr id="152" name="Line"/>
+            <p:cNvPr id="158" name="Line"/>
             <p:cNvSpPr/>
             <p:nvPr/>
           </p:nvSpPr>
@@ -11052,7 +11525,7 @@
         </p:sp>
         <p:sp>
           <p:nvSpPr>
-            <p:cNvPr id="153" name="C"/>
+            <p:cNvPr id="159" name="C"/>
             <p:cNvSpPr txBox="1"/>
             <p:nvPr/>
           </p:nvSpPr>
@@ -11101,7 +11574,7 @@
       </p:grpSp>
       <p:grpSp>
         <p:nvGrpSpPr>
-          <p:cNvPr id="157" name="Group"/>
+          <p:cNvPr id="163" name="Group"/>
           <p:cNvGrpSpPr/>
           <p:nvPr/>
         </p:nvGrpSpPr>
@@ -11115,7 +11588,7 @@
         </p:grpSpPr>
         <p:sp>
           <p:nvSpPr>
-            <p:cNvPr id="155" name="Line"/>
+            <p:cNvPr id="161" name="Line"/>
             <p:cNvSpPr/>
             <p:nvPr/>
           </p:nvSpPr>
@@ -11151,7 +11624,7 @@
         </p:sp>
         <p:sp>
           <p:nvSpPr>
-            <p:cNvPr id="156" name="E"/>
+            <p:cNvPr id="162" name="E"/>
             <p:cNvSpPr txBox="1"/>
             <p:nvPr/>
           </p:nvSpPr>
@@ -11200,21 +11673,21 @@
       </p:grpSp>
       <p:grpSp>
         <p:nvGrpSpPr>
-          <p:cNvPr id="160" name="Group"/>
+          <p:cNvPr id="166" name="Group"/>
           <p:cNvGrpSpPr/>
           <p:nvPr/>
         </p:nvGrpSpPr>
         <p:grpSpPr>
           <a:xfrm>
-            <a:off x="7567013" y="3512087"/>
-            <a:ext cx="1406571" cy="508001"/>
+            <a:off x="7567014" y="3512087"/>
+            <a:ext cx="1406570" cy="508001"/>
             <a:chOff x="0" y="0"/>
             <a:chExt cx="1406569" cy="508000"/>
           </a:xfrm>
         </p:grpSpPr>
         <p:sp>
           <p:nvSpPr>
-            <p:cNvPr id="158" name="Line"/>
+            <p:cNvPr id="164" name="Line"/>
             <p:cNvSpPr/>
             <p:nvPr/>
           </p:nvSpPr>
@@ -11250,7 +11723,7 @@
         </p:sp>
         <p:sp>
           <p:nvSpPr>
-            <p:cNvPr id="159" name="D"/>
+            <p:cNvPr id="165" name="D"/>
             <p:cNvSpPr txBox="1"/>
             <p:nvPr/>
           </p:nvSpPr>
@@ -11299,7 +11772,7 @@
       </p:grpSp>
       <p:sp>
         <p:nvSpPr>
-          <p:cNvPr id="161" name="Q: If we sort the task as per finish time, will it work?…"/>
+          <p:cNvPr id="167" name="Q: If we sort the task as per finish time, will it work?…"/>
           <p:cNvSpPr txBox="1"/>
           <p:nvPr/>
         </p:nvSpPr>
@@ -11398,7 +11871,7 @@
                                       <p:cBhvr>
                                         <p:cTn id="6" fill="hold"/>
                                         <p:tgtEl>
-                                          <p:spTgt spid="142"/>
+                                          <p:spTgt spid="148"/>
                                         </p:tgtEl>
                                         <p:attrNameLst>
                                           <p:attrName>style.visibility</p:attrName>
@@ -11442,7 +11915,7 @@
                                       <p:cBhvr>
                                         <p:cTn id="10" fill="hold"/>
                                         <p:tgtEl>
-                                          <p:spTgt spid="145"/>
+                                          <p:spTgt spid="151"/>
                                         </p:tgtEl>
                                         <p:attrNameLst>
                                           <p:attrName>style.visibility</p:attrName>
@@ -11486,7 +11959,7 @@
                                       <p:cBhvr>
                                         <p:cTn id="14" fill="hold"/>
                                         <p:tgtEl>
-                                          <p:spTgt spid="148"/>
+                                          <p:spTgt spid="154"/>
                                         </p:tgtEl>
                                         <p:attrNameLst>
                                           <p:attrName>style.visibility</p:attrName>
@@ -11530,7 +12003,7 @@
                                       <p:cBhvr>
                                         <p:cTn id="18" fill="hold"/>
                                         <p:tgtEl>
-                                          <p:spTgt spid="154"/>
+                                          <p:spTgt spid="160"/>
                                         </p:tgtEl>
                                         <p:attrNameLst>
                                           <p:attrName>style.visibility</p:attrName>
@@ -11574,7 +12047,7 @@
                                       <p:cBhvr>
                                         <p:cTn id="22" fill="hold"/>
                                         <p:tgtEl>
-                                          <p:spTgt spid="151"/>
+                                          <p:spTgt spid="157"/>
                                         </p:tgtEl>
                                         <p:attrNameLst>
                                           <p:attrName>style.visibility</p:attrName>
@@ -11618,7 +12091,7 @@
                                       <p:cBhvr>
                                         <p:cTn id="26" fill="hold"/>
                                         <p:tgtEl>
-                                          <p:spTgt spid="157"/>
+                                          <p:spTgt spid="163"/>
                                         </p:tgtEl>
                                         <p:attrNameLst>
                                           <p:attrName>style.visibility</p:attrName>
@@ -11662,7 +12135,7 @@
                                       <p:cBhvr>
                                         <p:cTn id="30" fill="hold"/>
                                         <p:tgtEl>
-                                          <p:spTgt spid="160"/>
+                                          <p:spTgt spid="166"/>
                                         </p:tgtEl>
                                         <p:attrNameLst>
                                           <p:attrName>style.visibility</p:attrName>
@@ -11706,7 +12179,7 @@
                                       <p:cBhvr>
                                         <p:cTn id="34" fill="hold"/>
                                         <p:tgtEl>
-                                          <p:spTgt spid="161">
+                                          <p:spTgt spid="167">
                                             <p:bg/>
                                           </p:spTgt>
                                         </p:tgtEl>
@@ -11734,7 +12207,7 @@
                                       <p:cBhvr>
                                         <p:cTn id="36" fill="hold"/>
                                         <p:tgtEl>
-                                          <p:spTgt spid="161">
+                                          <p:spTgt spid="167">
                                             <p:txEl>
                                               <p:pRg st="0" end="0"/>
                                             </p:txEl>
@@ -11782,7 +12255,7 @@
                                       <p:cBhvr>
                                         <p:cTn id="40" fill="hold"/>
                                         <p:tgtEl>
-                                          <p:spTgt spid="161">
+                                          <p:spTgt spid="167">
                                             <p:txEl>
                                               <p:pRg st="1" end="1"/>
                                             </p:txEl>
@@ -11827,20 +12300,20 @@
       </p:par>
     </p:tnLst>
     <p:bldLst>
-      <p:bldP build="whole" bldLvl="1" animBg="1" rev="0" advAuto="0" spid="148" grpId="3"/>
-      <p:bldP build="whole" bldLvl="1" animBg="1" rev="0" advAuto="0" spid="145" grpId="2"/>
-      <p:bldP build="p" bldLvl="5" animBg="1" rev="0" advAuto="0" spid="161" grpId="8"/>
-      <p:bldP build="whole" bldLvl="1" animBg="1" rev="0" advAuto="0" spid="160" grpId="7"/>
-      <p:bldP build="whole" bldLvl="1" animBg="1" rev="0" advAuto="0" spid="151" grpId="5"/>
-      <p:bldP build="whole" bldLvl="1" animBg="1" rev="0" advAuto="0" spid="142" grpId="1"/>
-      <p:bldP build="whole" bldLvl="1" animBg="1" rev="0" advAuto="0" spid="157" grpId="6"/>
-      <p:bldP build="whole" bldLvl="1" animBg="1" rev="0" advAuto="0" spid="154" grpId="4"/>
+      <p:bldP build="p" bldLvl="5" animBg="1" rev="0" advAuto="0" spid="167" grpId="8"/>
+      <p:bldP build="whole" bldLvl="1" animBg="1" rev="0" advAuto="0" spid="151" grpId="2"/>
+      <p:bldP build="whole" bldLvl="1" animBg="1" rev="0" advAuto="0" spid="163" grpId="6"/>
+      <p:bldP build="whole" bldLvl="1" animBg="1" rev="0" advAuto="0" spid="154" grpId="3"/>
+      <p:bldP build="whole" bldLvl="1" animBg="1" rev="0" advAuto="0" spid="157" grpId="5"/>
+      <p:bldP build="whole" bldLvl="1" animBg="1" rev="0" advAuto="0" spid="148" grpId="1"/>
+      <p:bldP build="whole" bldLvl="1" animBg="1" rev="0" advAuto="0" spid="160" grpId="4"/>
+      <p:bldP build="whole" bldLvl="1" animBg="1" rev="0" advAuto="0" spid="166" grpId="7"/>
     </p:bldLst>
   </p:timing>
 </p:sld>
 </file>
 
-<file path=ppt/slides/slide16.xml><?xml version="1.0" encoding="utf-8"?>
+<file path=ppt/slides/slide17.xml><?xml version="1.0" encoding="utf-8"?>
 <p:sld xmlns:a="http://schemas.openxmlformats.org/drawingml/2006/main" xmlns:r="http://schemas.openxmlformats.org/officeDocument/2006/relationships" xmlns:p="http://schemas.openxmlformats.org/presentationml/2006/main" xmlns:m="http://schemas.openxmlformats.org/officeDocument/2006/math" xmlns:a14="http://schemas.microsoft.com/office/drawing/2010/main" showMasterSp="1" showMasterPhAnim="1">
   <p:cSld>
     <p:spTree>
@@ -11859,7 +12332,7 @@
       </p:grpSpPr>
       <p:sp>
         <p:nvSpPr>
-          <p:cNvPr id="163" name="Exercise"/>
+          <p:cNvPr id="169" name="Algo: Machine Assignment"/>
           <p:cNvSpPr txBox="1"/>
           <p:nvPr>
             <p:ph type="title"/>
@@ -11876,14 +12349,14 @@
           <a:p>
             <a:pPr/>
             <a:r>
-              <a:t>Exercise</a:t>
+              <a:t>Algo: Machine Assignment</a:t>
             </a:r>
           </a:p>
         </p:txBody>
       </p:sp>
       <p:sp>
         <p:nvSpPr>
-          <p:cNvPr id="164" name="Consider the machine assignment problem but with only one machine.…"/>
+          <p:cNvPr id="170" name="Write algo for machine assignment"/>
           <p:cNvSpPr txBox="1"/>
           <p:nvPr>
             <p:ph type="body" idx="1"/>
@@ -11900,26 +12373,14 @@
           <a:p>
             <a:pPr/>
             <a:r>
-              <a:t>Consider the machine assignment problem but with only one machine. </a:t>
-            </a:r>
-          </a:p>
-          <a:p>
-            <a:pPr/>
-            <a:r>
-              <a:t>Problem: Find the largest number of tasks that can be assigned to this machine.</a:t>
-            </a:r>
-          </a:p>
-          <a:p>
-            <a:pPr/>
-            <a:r>
-              <a:t>What should be the greedy approach?</a:t>
+              <a:t>Write algo for machine assignment</a:t>
             </a:r>
           </a:p>
         </p:txBody>
       </p:sp>
       <p:sp>
         <p:nvSpPr>
-          <p:cNvPr id="165" name="Slide Number"/>
+          <p:cNvPr id="171" name="Slide Number"/>
           <p:cNvSpPr txBox="1"/>
           <p:nvPr>
             <p:ph type="sldNum" sz="quarter" idx="2"/>
@@ -11946,7 +12407,7 @@
       </p:sp>
       <p:sp>
         <p:nvSpPr>
-          <p:cNvPr id="166" name="DAA/Greedy Algorithms"/>
+          <p:cNvPr id="172" name="DAA/Greedy Algorithms"/>
           <p:cNvSpPr txBox="1"/>
           <p:nvPr/>
         </p:nvSpPr>
@@ -11986,7 +12447,200 @@
       </p:sp>
       <p:sp>
         <p:nvSpPr>
-          <p:cNvPr id="167" name="RPR/"/>
+          <p:cNvPr id="173" name="RPR/"/>
+          <p:cNvSpPr txBox="1"/>
+          <p:nvPr/>
+        </p:nvSpPr>
+        <p:spPr>
+          <a:xfrm>
+            <a:off x="7535212" y="6988206"/>
+            <a:ext cx="705605" cy="382910"/>
+          </a:xfrm>
+          <a:prstGeom prst="rect">
+            <a:avLst/>
+          </a:prstGeom>
+          <a:ln w="12700">
+            <a:miter lim="400000"/>
+          </a:ln>
+          <a:extLst>
+            <a:ext uri="{C572A759-6A51-4108-AA02-DFA0A04FC94B}">
+              <ma14:wrappingTextBoxFlag xmlns:ma14="http://schemas.microsoft.com/office/mac/drawingml/2011/main" val="1"/>
+            </a:ext>
+          </a:extLst>
+        </p:spPr>
+        <p:txBody>
+          <a:bodyPr wrap="none" lIns="50800" tIns="50800" rIns="50800" bIns="50800" anchor="ctr">
+            <a:spAutoFit/>
+          </a:bodyPr>
+          <a:lstStyle>
+            <a:lvl1pPr>
+              <a:defRPr sz="2000"/>
+            </a:lvl1pPr>
+          </a:lstStyle>
+          <a:p>
+            <a:pPr/>
+            <a:r>
+              <a:t>RPR/</a:t>
+            </a:r>
+          </a:p>
+        </p:txBody>
+      </p:sp>
+    </p:spTree>
+  </p:cSld>
+  <p:clrMapOvr>
+    <a:masterClrMapping/>
+  </p:clrMapOvr>
+  <p:transition xmlns:p14="http://schemas.microsoft.com/office/powerpoint/2010/main" spd="med" advClick="1"/>
+</p:sld>
+</file>
+
+<file path=ppt/slides/slide18.xml><?xml version="1.0" encoding="utf-8"?>
+<p:sld xmlns:a="http://schemas.openxmlformats.org/drawingml/2006/main" xmlns:r="http://schemas.openxmlformats.org/officeDocument/2006/relationships" xmlns:p="http://schemas.openxmlformats.org/presentationml/2006/main" xmlns:m="http://schemas.openxmlformats.org/officeDocument/2006/math" xmlns:a14="http://schemas.microsoft.com/office/drawing/2010/main" showMasterSp="1" showMasterPhAnim="1">
+  <p:cSld>
+    <p:spTree>
+      <p:nvGrpSpPr>
+        <p:cNvPr id="1" name=""/>
+        <p:cNvGrpSpPr/>
+        <p:nvPr/>
+      </p:nvGrpSpPr>
+      <p:grpSpPr>
+        <a:xfrm>
+          <a:off x="0" y="0"/>
+          <a:ext cx="0" cy="0"/>
+          <a:chOff x="0" y="0"/>
+          <a:chExt cx="0" cy="0"/>
+        </a:xfrm>
+      </p:grpSpPr>
+      <p:sp>
+        <p:nvSpPr>
+          <p:cNvPr id="175" name="Exercise"/>
+          <p:cNvSpPr txBox="1"/>
+          <p:nvPr>
+            <p:ph type="title"/>
+          </p:nvPr>
+        </p:nvSpPr>
+        <p:spPr>
+          <a:prstGeom prst="rect">
+            <a:avLst/>
+          </a:prstGeom>
+        </p:spPr>
+        <p:txBody>
+          <a:bodyPr/>
+          <a:lstStyle/>
+          <a:p>
+            <a:pPr/>
+            <a:r>
+              <a:t>Exercise</a:t>
+            </a:r>
+          </a:p>
+        </p:txBody>
+      </p:sp>
+      <p:sp>
+        <p:nvSpPr>
+          <p:cNvPr id="176" name="Consider the machine assignment problem but with only one machine.…"/>
+          <p:cNvSpPr txBox="1"/>
+          <p:nvPr>
+            <p:ph type="body" idx="1"/>
+          </p:nvPr>
+        </p:nvSpPr>
+        <p:spPr>
+          <a:prstGeom prst="rect">
+            <a:avLst/>
+          </a:prstGeom>
+        </p:spPr>
+        <p:txBody>
+          <a:bodyPr/>
+          <a:lstStyle/>
+          <a:p>
+            <a:pPr/>
+            <a:r>
+              <a:t>Consider the machine assignment problem but with only one machine. </a:t>
+            </a:r>
+          </a:p>
+          <a:p>
+            <a:pPr/>
+            <a:r>
+              <a:t>Problem: Find the largest number of tasks that can be assigned to this machine.</a:t>
+            </a:r>
+          </a:p>
+          <a:p>
+            <a:pPr/>
+            <a:r>
+              <a:t>What should be the greedy approach?</a:t>
+            </a:r>
+          </a:p>
+        </p:txBody>
+      </p:sp>
+      <p:sp>
+        <p:nvSpPr>
+          <p:cNvPr id="177" name="Slide Number"/>
+          <p:cNvSpPr txBox="1"/>
+          <p:nvPr>
+            <p:ph type="sldNum" sz="quarter" idx="2"/>
+          </p:nvPr>
+        </p:nvSpPr>
+        <p:spPr>
+          <a:prstGeom prst="rect">
+            <a:avLst/>
+          </a:prstGeom>
+          <a:extLst>
+            <a:ext uri="{C572A759-6A51-4108-AA02-DFA0A04FC94B}">
+              <ma14:wrappingTextBoxFlag xmlns:ma14="http://schemas.microsoft.com/office/mac/drawingml/2011/main" val="1"/>
+            </a:ext>
+          </a:extLst>
+        </p:spPr>
+        <p:txBody>
+          <a:bodyPr/>
+          <a:lstStyle/>
+          <a:p>
+            <a:pPr/>
+            <a:fld id="{86CB4B4D-7CA3-9044-876B-883B54F8677D}" type="slidenum"/>
+          </a:p>
+        </p:txBody>
+      </p:sp>
+      <p:sp>
+        <p:nvSpPr>
+          <p:cNvPr id="178" name="DAA/Greedy Algorithms"/>
+          <p:cNvSpPr txBox="1"/>
+          <p:nvPr/>
+        </p:nvSpPr>
+        <p:spPr>
+          <a:xfrm>
+            <a:off x="423212" y="6963885"/>
+            <a:ext cx="3244911" cy="431552"/>
+          </a:xfrm>
+          <a:prstGeom prst="rect">
+            <a:avLst/>
+          </a:prstGeom>
+          <a:ln w="12700">
+            <a:miter lim="400000"/>
+          </a:ln>
+          <a:extLst>
+            <a:ext uri="{C572A759-6A51-4108-AA02-DFA0A04FC94B}">
+              <ma14:wrappingTextBoxFlag xmlns:ma14="http://schemas.microsoft.com/office/mac/drawingml/2011/main" val="1"/>
+            </a:ext>
+          </a:extLst>
+        </p:spPr>
+        <p:txBody>
+          <a:bodyPr wrap="none" lIns="50800" tIns="50800" rIns="50800" bIns="50800" anchor="ctr">
+            <a:spAutoFit/>
+          </a:bodyPr>
+          <a:lstStyle>
+            <a:lvl1pPr>
+              <a:defRPr sz="2400"/>
+            </a:lvl1pPr>
+          </a:lstStyle>
+          <a:p>
+            <a:pPr/>
+            <a:r>
+              <a:t>DAA/Greedy Algorithms</a:t>
+            </a:r>
+          </a:p>
+        </p:txBody>
+      </p:sp>
+      <p:sp>
+        <p:nvSpPr>
+          <p:cNvPr id="179" name="RPR/"/>
           <p:cNvSpPr txBox="1"/>
           <p:nvPr/>
         </p:nvSpPr>
@@ -12063,7 +12717,7 @@
                                       <p:cBhvr>
                                         <p:cTn id="6" fill="hold"/>
                                         <p:tgtEl>
-                                          <p:spTgt spid="164">
+                                          <p:spTgt spid="176">
                                             <p:bg/>
                                           </p:spTgt>
                                         </p:tgtEl>
@@ -12091,7 +12745,7 @@
                                       <p:cBhvr>
                                         <p:cTn id="8" fill="hold"/>
                                         <p:tgtEl>
-                                          <p:spTgt spid="164">
+                                          <p:spTgt spid="176">
                                             <p:txEl>
                                               <p:pRg st="0" end="0"/>
                                             </p:txEl>
@@ -12139,7 +12793,7 @@
                                       <p:cBhvr>
                                         <p:cTn id="12" fill="hold"/>
                                         <p:tgtEl>
-                                          <p:spTgt spid="164">
+                                          <p:spTgt spid="176">
                                             <p:txEl>
                                               <p:pRg st="1" end="1"/>
                                             </p:txEl>
@@ -12187,7 +12841,7 @@
                                       <p:cBhvr>
                                         <p:cTn id="16" fill="hold"/>
                                         <p:tgtEl>
-                                          <p:spTgt spid="164">
+                                          <p:spTgt spid="176">
                                             <p:txEl>
                                               <p:pRg st="2" end="2"/>
                                             </p:txEl>
@@ -12232,13 +12886,13 @@
       </p:par>
     </p:tnLst>
     <p:bldLst>
-      <p:bldP build="p" bldLvl="5" animBg="1" rev="0" advAuto="0" spid="164" grpId="1"/>
+      <p:bldP build="p" bldLvl="5" animBg="1" rev="0" advAuto="0" spid="176" grpId="1"/>
     </p:bldLst>
   </p:timing>
 </p:sld>
 </file>
 
-<file path=ppt/slides/slide17.xml><?xml version="1.0" encoding="utf-8"?>
+<file path=ppt/slides/slide19.xml><?xml version="1.0" encoding="utf-8"?>
 <p:sld xmlns:a="http://schemas.openxmlformats.org/drawingml/2006/main" xmlns:r="http://schemas.openxmlformats.org/officeDocument/2006/relationships" xmlns:p="http://schemas.openxmlformats.org/presentationml/2006/main" xmlns:m="http://schemas.openxmlformats.org/officeDocument/2006/math" xmlns:a14="http://schemas.microsoft.com/office/drawing/2010/main" showMasterSp="1" showMasterPhAnim="1">
   <p:cSld>
     <p:spTree>
@@ -12257,7 +12911,7 @@
       </p:grpSpPr>
       <p:sp>
         <p:nvSpPr>
-          <p:cNvPr id="169" name="Summary"/>
+          <p:cNvPr id="181" name="Summary"/>
           <p:cNvSpPr txBox="1"/>
           <p:nvPr>
             <p:ph type="title"/>
@@ -12281,7 +12935,7 @@
       </p:sp>
       <p:sp>
         <p:nvSpPr>
-          <p:cNvPr id="170" name="Greedy algorithm…"/>
+          <p:cNvPr id="182" name="Greedy algorithm…"/>
           <p:cNvSpPr txBox="1"/>
           <p:nvPr>
             <p:ph type="body" idx="1"/>
@@ -12323,7 +12977,7 @@
       </p:sp>
       <p:sp>
         <p:nvSpPr>
-          <p:cNvPr id="171" name="Slide Number"/>
+          <p:cNvPr id="183" name="Slide Number"/>
           <p:cNvSpPr txBox="1"/>
           <p:nvPr>
             <p:ph type="sldNum" sz="quarter" idx="2"/>
@@ -12350,7 +13004,7 @@
       </p:sp>
       <p:sp>
         <p:nvSpPr>
-          <p:cNvPr id="172" name="DAA/Greedy Algorithms"/>
+          <p:cNvPr id="184" name="DAA/Greedy Algorithms"/>
           <p:cNvSpPr txBox="1"/>
           <p:nvPr/>
         </p:nvSpPr>
@@ -12390,7 +13044,7 @@
       </p:sp>
       <p:sp>
         <p:nvSpPr>
-          <p:cNvPr id="173" name="RPR/"/>
+          <p:cNvPr id="185" name="RPR/"/>
           <p:cNvSpPr txBox="1"/>
           <p:nvPr/>
         </p:nvSpPr>
@@ -15262,7 +15916,7 @@
       </p:grpSpPr>
       <p:sp>
         <p:nvSpPr>
-          <p:cNvPr id="71" name="Writing Exams:"/>
+          <p:cNvPr id="71" name="Visting Friend to Invite"/>
           <p:cNvSpPr txBox="1"/>
           <p:nvPr>
             <p:ph type="title"/>
@@ -15279,7 +15933,7 @@
           <a:p>
             <a:pPr/>
             <a:r>
-              <a:t>Writing Exams:</a:t>
+              <a:t>Visting Friend to Invite</a:t>
             </a:r>
           </a:p>
         </p:txBody>
@@ -15304,6 +15958,12 @@
             <a:pPr/>
             <a:r>
               <a:t>Visiting friends to invite for a party:</a:t>
+            </a:r>
+          </a:p>
+          <a:p>
+            <a:pPr lvl="1"/>
+            <a:r>
+              <a:t>May not be possible to visit all friends in a day</a:t>
             </a:r>
           </a:p>
           <a:p>
@@ -15701,6 +16361,54 @@
                                           <p:spTgt spid="72">
                                             <p:txEl>
                                               <p:pRg st="4" end="4"/>
+                                            </p:txEl>
+                                          </p:spTgt>
+                                        </p:tgtEl>
+                                        <p:attrNameLst>
+                                          <p:attrName>style.visibility</p:attrName>
+                                        </p:attrNameLst>
+                                      </p:cBhvr>
+                                      <p:to>
+                                        <p:strVal val="visible"/>
+                                      </p:to>
+                                    </p:set>
+                                  </p:childTnLst>
+                                </p:cTn>
+                              </p:par>
+                            </p:childTnLst>
+                          </p:cTn>
+                        </p:par>
+                      </p:childTnLst>
+                    </p:cTn>
+                  </p:par>
+                  <p:par>
+                    <p:cTn id="25" fill="hold">
+                      <p:stCondLst>
+                        <p:cond delay="indefinite"/>
+                      </p:stCondLst>
+                      <p:childTnLst>
+                        <p:par>
+                          <p:cTn id="26" fill="hold">
+                            <p:stCondLst>
+                              <p:cond delay="0"/>
+                            </p:stCondLst>
+                            <p:childTnLst>
+                              <p:par>
+                                <p:cTn id="27" presetClass="entr" nodeType="clickEffect" presetSubtype="0" presetID="1" grpId="1" fill="hold">
+                                  <p:stCondLst>
+                                    <p:cond delay="0"/>
+                                  </p:stCondLst>
+                                  <p:iterate type="el" backwards="0">
+                                    <p:tmAbs val="0"/>
+                                  </p:iterate>
+                                  <p:childTnLst>
+                                    <p:set>
+                                      <p:cBhvr>
+                                        <p:cTn id="28" fill="hold"/>
+                                        <p:tgtEl>
+                                          <p:spTgt spid="72">
+                                            <p:txEl>
+                                              <p:pRg st="5" end="5"/>
                                             </p:txEl>
                                           </p:spTgt>
                                         </p:tgtEl>
